--- a/Capturas.pptx
+++ b/Capturas.pptx
@@ -13,10 +13,22 @@
     <p:sldId id="261" r:id="rId7"/>
     <p:sldId id="262" r:id="rId8"/>
     <p:sldId id="263" r:id="rId9"/>
-    <p:sldId id="264" r:id="rId10"/>
-    <p:sldId id="265" r:id="rId11"/>
-    <p:sldId id="266" r:id="rId12"/>
-    <p:sldId id="267" r:id="rId13"/>
+    <p:sldId id="269" r:id="rId10"/>
+    <p:sldId id="268" r:id="rId11"/>
+    <p:sldId id="264" r:id="rId12"/>
+    <p:sldId id="265" r:id="rId13"/>
+    <p:sldId id="266" r:id="rId14"/>
+    <p:sldId id="267" r:id="rId15"/>
+    <p:sldId id="270" r:id="rId16"/>
+    <p:sldId id="271" r:id="rId17"/>
+    <p:sldId id="272" r:id="rId18"/>
+    <p:sldId id="273" r:id="rId19"/>
+    <p:sldId id="274" r:id="rId20"/>
+    <p:sldId id="275" r:id="rId21"/>
+    <p:sldId id="276" r:id="rId22"/>
+    <p:sldId id="277" r:id="rId23"/>
+    <p:sldId id="278" r:id="rId24"/>
+    <p:sldId id="279" r:id="rId25"/>
   </p:sldIdLst>
   <p:sldSz cx="12192000" cy="6858000"/>
   <p:notesSz cx="6858000" cy="9144000"/>
@@ -115,6 +127,11 @@
       </a:defRPr>
     </a:lvl9pPr>
   </p:defaultTextStyle>
+  <p:extLst>
+    <p:ext uri="{EFAFB233-063F-42B5-8137-9DF3F51BA10A}">
+      <p15:sldGuideLst xmlns:p15="http://schemas.microsoft.com/office/powerpoint/2012/main"/>
+    </p:ext>
+  </p:extLst>
 </p:presentation>
 </file>
 
@@ -3638,10 +3655,117 @@
           <a:chExt cx="0" cy="0"/>
         </a:xfrm>
       </p:grpSpPr>
+      <p:grpSp>
+        <p:nvGrpSpPr>
+          <p:cNvPr id="5" name="Grupo 4">
+            <a:extLst>
+              <a:ext uri="{FF2B5EF4-FFF2-40B4-BE49-F238E27FC236}">
+                <a16:creationId xmlns:a16="http://schemas.microsoft.com/office/drawing/2014/main" id="{93E5D527-44DF-00C3-4A2E-26794FD8DCB3}"/>
+              </a:ext>
+            </a:extLst>
+          </p:cNvPr>
+          <p:cNvGrpSpPr/>
+          <p:nvPr/>
+        </p:nvGrpSpPr>
+        <p:grpSpPr>
+          <a:xfrm>
+            <a:off x="0" y="202493"/>
+            <a:ext cx="12192000" cy="6453013"/>
+            <a:chOff x="0" y="202493"/>
+            <a:chExt cx="12192000" cy="6453013"/>
+          </a:xfrm>
+        </p:grpSpPr>
+        <p:pic>
+          <p:nvPicPr>
+            <p:cNvPr id="3" name="Imagen 2">
+              <a:extLst>
+                <a:ext uri="{FF2B5EF4-FFF2-40B4-BE49-F238E27FC236}">
+                  <a16:creationId xmlns:a16="http://schemas.microsoft.com/office/drawing/2014/main" id="{ADB44FBE-036F-597F-4AF2-8D1B9CEC4789}"/>
+                </a:ext>
+              </a:extLst>
+            </p:cNvPr>
+            <p:cNvPicPr>
+              <a:picLocks noChangeAspect="1"/>
+            </p:cNvPicPr>
+            <p:nvPr/>
+          </p:nvPicPr>
+          <p:blipFill>
+            <a:blip r:embed="rId2"/>
+            <a:stretch>
+              <a:fillRect/>
+            </a:stretch>
+          </p:blipFill>
+          <p:spPr>
+            <a:xfrm>
+              <a:off x="0" y="202493"/>
+              <a:ext cx="12192000" cy="6453013"/>
+            </a:xfrm>
+            <a:prstGeom prst="rect">
+              <a:avLst/>
+            </a:prstGeom>
+          </p:spPr>
+        </p:pic>
+        <p:sp>
+          <p:nvSpPr>
+            <p:cNvPr id="4" name="Flecha: a la derecha 3">
+              <a:extLst>
+                <a:ext uri="{FF2B5EF4-FFF2-40B4-BE49-F238E27FC236}">
+                  <a16:creationId xmlns:a16="http://schemas.microsoft.com/office/drawing/2014/main" id="{0F563E50-E557-CEDA-AFDD-4789C19982A8}"/>
+                </a:ext>
+              </a:extLst>
+            </p:cNvPr>
+            <p:cNvSpPr/>
+            <p:nvPr/>
+          </p:nvSpPr>
+          <p:spPr>
+            <a:xfrm>
+              <a:off x="3222860" y="5064797"/>
+              <a:ext cx="1045029" cy="391886"/>
+            </a:xfrm>
+            <a:prstGeom prst="rightArrow">
+              <a:avLst/>
+            </a:prstGeom>
+            <a:solidFill>
+              <a:srgbClr val="FF0000"/>
+            </a:solidFill>
+            <a:ln>
+              <a:solidFill>
+                <a:schemeClr val="accent1">
+                  <a:shade val="15000"/>
+                </a:schemeClr>
+              </a:solidFill>
+            </a:ln>
+          </p:spPr>
+          <p:style>
+            <a:lnRef idx="2">
+              <a:schemeClr val="accent1">
+                <a:shade val="15000"/>
+              </a:schemeClr>
+            </a:lnRef>
+            <a:fillRef idx="1">
+              <a:schemeClr val="accent1"/>
+            </a:fillRef>
+            <a:effectRef idx="0">
+              <a:schemeClr val="accent1"/>
+            </a:effectRef>
+            <a:fontRef idx="minor">
+              <a:schemeClr val="lt1"/>
+            </a:fontRef>
+          </p:style>
+          <p:txBody>
+            <a:bodyPr rtlCol="0" anchor="ctr"/>
+            <a:lstStyle/>
+            <a:p>
+              <a:pPr algn="ctr"/>
+              <a:endParaRPr lang="es-419"/>
+            </a:p>
+          </p:txBody>
+        </p:sp>
+      </p:grpSp>
     </p:spTree>
     <p:extLst>
       <p:ext uri="{BB962C8B-B14F-4D97-AF65-F5344CB8AC3E}">
-        <p14:creationId xmlns:p14="http://schemas.microsoft.com/office/powerpoint/2010/main" val="3495617283"/>
+        <p14:creationId xmlns:p14="http://schemas.microsoft.com/office/powerpoint/2010/main" val="231121069"/>
       </p:ext>
     </p:extLst>
   </p:cSld>
@@ -3668,10 +3792,183 @@
           <a:chExt cx="0" cy="0"/>
         </a:xfrm>
       </p:grpSpPr>
+      <p:grpSp>
+        <p:nvGrpSpPr>
+          <p:cNvPr id="11" name="Grupo 10">
+            <a:extLst>
+              <a:ext uri="{FF2B5EF4-FFF2-40B4-BE49-F238E27FC236}">
+                <a16:creationId xmlns:a16="http://schemas.microsoft.com/office/drawing/2014/main" id="{8EA53810-8F6B-B5D1-818B-B39C23C2B18F}"/>
+              </a:ext>
+            </a:extLst>
+          </p:cNvPr>
+          <p:cNvGrpSpPr/>
+          <p:nvPr/>
+        </p:nvGrpSpPr>
+        <p:grpSpPr>
+          <a:xfrm>
+            <a:off x="0" y="-757916"/>
+            <a:ext cx="12192000" cy="7420524"/>
+            <a:chOff x="0" y="-757916"/>
+            <a:chExt cx="12192000" cy="7420524"/>
+          </a:xfrm>
+        </p:grpSpPr>
+        <p:pic>
+          <p:nvPicPr>
+            <p:cNvPr id="7" name="Imagen 6" descr="Captura de pantalla de computadora&#10;&#10;Descripción generada automáticamente">
+              <a:extLst>
+                <a:ext uri="{FF2B5EF4-FFF2-40B4-BE49-F238E27FC236}">
+                  <a16:creationId xmlns:a16="http://schemas.microsoft.com/office/drawing/2014/main" id="{8BA82C04-1BA2-CFC6-CA3A-8649A1BBF655}"/>
+                </a:ext>
+              </a:extLst>
+            </p:cNvPr>
+            <p:cNvPicPr>
+              <a:picLocks noChangeAspect="1"/>
+            </p:cNvPicPr>
+            <p:nvPr/>
+          </p:nvPicPr>
+          <p:blipFill>
+            <a:blip r:embed="rId2">
+              <a:extLst>
+                <a:ext uri="{28A0092B-C50C-407E-A947-70E740481C1C}">
+                  <a14:useLocalDpi xmlns:a14="http://schemas.microsoft.com/office/drawing/2010/main" val="0"/>
+                </a:ext>
+              </a:extLst>
+            </a:blip>
+            <a:stretch>
+              <a:fillRect/>
+            </a:stretch>
+          </p:blipFill>
+          <p:spPr>
+            <a:xfrm>
+              <a:off x="0" y="195392"/>
+              <a:ext cx="12192000" cy="6467216"/>
+            </a:xfrm>
+            <a:prstGeom prst="rect">
+              <a:avLst/>
+            </a:prstGeom>
+          </p:spPr>
+        </p:pic>
+        <p:sp>
+          <p:nvSpPr>
+            <p:cNvPr id="9" name="Flecha: a la derecha 8">
+              <a:extLst>
+                <a:ext uri="{FF2B5EF4-FFF2-40B4-BE49-F238E27FC236}">
+                  <a16:creationId xmlns:a16="http://schemas.microsoft.com/office/drawing/2014/main" id="{CB6C270D-2B13-AC02-AED0-8C05C5F9F5F6}"/>
+                </a:ext>
+              </a:extLst>
+            </p:cNvPr>
+            <p:cNvSpPr/>
+            <p:nvPr/>
+          </p:nvSpPr>
+          <p:spPr>
+            <a:xfrm rot="10800000">
+              <a:off x="5050971" y="1877822"/>
+              <a:ext cx="1045029" cy="391886"/>
+            </a:xfrm>
+            <a:prstGeom prst="rightArrow">
+              <a:avLst/>
+            </a:prstGeom>
+            <a:solidFill>
+              <a:srgbClr val="FF0000"/>
+            </a:solidFill>
+            <a:ln>
+              <a:solidFill>
+                <a:schemeClr val="accent1">
+                  <a:shade val="15000"/>
+                </a:schemeClr>
+              </a:solidFill>
+            </a:ln>
+          </p:spPr>
+          <p:style>
+            <a:lnRef idx="2">
+              <a:schemeClr val="accent1">
+                <a:shade val="15000"/>
+              </a:schemeClr>
+            </a:lnRef>
+            <a:fillRef idx="1">
+              <a:schemeClr val="accent1"/>
+            </a:fillRef>
+            <a:effectRef idx="0">
+              <a:schemeClr val="accent1"/>
+            </a:effectRef>
+            <a:fontRef idx="minor">
+              <a:schemeClr val="lt1"/>
+            </a:fontRef>
+          </p:style>
+          <p:txBody>
+            <a:bodyPr rtlCol="0" anchor="ctr"/>
+            <a:lstStyle/>
+            <a:p>
+              <a:pPr algn="ctr"/>
+              <a:endParaRPr lang="es-419"/>
+            </a:p>
+          </p:txBody>
+        </p:sp>
+        <p:sp>
+          <p:nvSpPr>
+            <p:cNvPr id="8" name="Flecha: curvada hacia abajo 7">
+              <a:extLst>
+                <a:ext uri="{FF2B5EF4-FFF2-40B4-BE49-F238E27FC236}">
+                  <a16:creationId xmlns:a16="http://schemas.microsoft.com/office/drawing/2014/main" id="{2EDC8DC8-FA78-121D-7FF2-CC03913FEF8B}"/>
+                </a:ext>
+              </a:extLst>
+            </p:cNvPr>
+            <p:cNvSpPr/>
+            <p:nvPr/>
+          </p:nvSpPr>
+          <p:spPr>
+            <a:xfrm rot="18597224">
+              <a:off x="-555716" y="881363"/>
+              <a:ext cx="5663361" cy="2384804"/>
+            </a:xfrm>
+            <a:prstGeom prst="curvedDownArrow">
+              <a:avLst>
+                <a:gd name="adj1" fmla="val 18740"/>
+                <a:gd name="adj2" fmla="val 50000"/>
+                <a:gd name="adj3" fmla="val 49347"/>
+              </a:avLst>
+            </a:prstGeom>
+            <a:solidFill>
+              <a:srgbClr val="FF0000"/>
+            </a:solidFill>
+            <a:ln>
+              <a:noFill/>
+            </a:ln>
+          </p:spPr>
+          <p:style>
+            <a:lnRef idx="2">
+              <a:schemeClr val="accent1">
+                <a:shade val="15000"/>
+              </a:schemeClr>
+            </a:lnRef>
+            <a:fillRef idx="1">
+              <a:schemeClr val="accent1"/>
+            </a:fillRef>
+            <a:effectRef idx="0">
+              <a:schemeClr val="accent1"/>
+            </a:effectRef>
+            <a:fontRef idx="minor">
+              <a:schemeClr val="lt1"/>
+            </a:fontRef>
+          </p:style>
+          <p:txBody>
+            <a:bodyPr rtlCol="0" anchor="ctr"/>
+            <a:lstStyle/>
+            <a:p>
+              <a:pPr algn="ctr"/>
+              <a:endParaRPr lang="es-419">
+                <a:solidFill>
+                  <a:schemeClr val="tx1"/>
+                </a:solidFill>
+              </a:endParaRPr>
+            </a:p>
+          </p:txBody>
+        </p:sp>
+      </p:grpSp>
     </p:spTree>
     <p:extLst>
       <p:ext uri="{BB962C8B-B14F-4D97-AF65-F5344CB8AC3E}">
-        <p14:creationId xmlns:p14="http://schemas.microsoft.com/office/powerpoint/2010/main" val="754779932"/>
+        <p14:creationId xmlns:p14="http://schemas.microsoft.com/office/powerpoint/2010/main" val="2854906509"/>
       </p:ext>
     </p:extLst>
   </p:cSld>
@@ -3698,10 +3995,930 @@
           <a:chExt cx="0" cy="0"/>
         </a:xfrm>
       </p:grpSpPr>
+      <p:pic>
+        <p:nvPicPr>
+          <p:cNvPr id="3" name="Imagen 2" descr="Una captura de pantalla de una red social&#10;&#10;Descripción generada automáticamente">
+            <a:extLst>
+              <a:ext uri="{FF2B5EF4-FFF2-40B4-BE49-F238E27FC236}">
+                <a16:creationId xmlns:a16="http://schemas.microsoft.com/office/drawing/2014/main" id="{24560E33-D62E-B07F-A9FB-DF9FB5664BC2}"/>
+              </a:ext>
+            </a:extLst>
+          </p:cNvPr>
+          <p:cNvPicPr>
+            <a:picLocks noChangeAspect="1"/>
+          </p:cNvPicPr>
+          <p:nvPr/>
+        </p:nvPicPr>
+        <p:blipFill>
+          <a:blip r:embed="rId2">
+            <a:extLst>
+              <a:ext uri="{28A0092B-C50C-407E-A947-70E740481C1C}">
+                <a14:useLocalDpi xmlns:a14="http://schemas.microsoft.com/office/drawing/2010/main" val="0"/>
+              </a:ext>
+            </a:extLst>
+          </a:blip>
+          <a:stretch>
+            <a:fillRect/>
+          </a:stretch>
+        </p:blipFill>
+        <p:spPr>
+          <a:xfrm>
+            <a:off x="0" y="217993"/>
+            <a:ext cx="12192000" cy="6422013"/>
+          </a:xfrm>
+          <a:prstGeom prst="rect">
+            <a:avLst/>
+          </a:prstGeom>
+        </p:spPr>
+      </p:pic>
+      <p:sp>
+        <p:nvSpPr>
+          <p:cNvPr id="4" name="Flecha: a la derecha 3">
+            <a:extLst>
+              <a:ext uri="{FF2B5EF4-FFF2-40B4-BE49-F238E27FC236}">
+                <a16:creationId xmlns:a16="http://schemas.microsoft.com/office/drawing/2014/main" id="{78AA465D-6EFB-F777-8376-418A4183232C}"/>
+              </a:ext>
+            </a:extLst>
+          </p:cNvPr>
+          <p:cNvSpPr/>
+          <p:nvPr/>
+        </p:nvSpPr>
+        <p:spPr>
+          <a:xfrm>
+            <a:off x="3581399" y="2636220"/>
+            <a:ext cx="1045029" cy="391886"/>
+          </a:xfrm>
+          <a:prstGeom prst="rightArrow">
+            <a:avLst/>
+          </a:prstGeom>
+          <a:solidFill>
+            <a:srgbClr val="FF0000"/>
+          </a:solidFill>
+          <a:ln>
+            <a:solidFill>
+              <a:schemeClr val="accent1">
+                <a:shade val="15000"/>
+              </a:schemeClr>
+            </a:solidFill>
+          </a:ln>
+        </p:spPr>
+        <p:style>
+          <a:lnRef idx="2">
+            <a:schemeClr val="accent1">
+              <a:shade val="15000"/>
+            </a:schemeClr>
+          </a:lnRef>
+          <a:fillRef idx="1">
+            <a:schemeClr val="accent1"/>
+          </a:fillRef>
+          <a:effectRef idx="0">
+            <a:schemeClr val="accent1"/>
+          </a:effectRef>
+          <a:fontRef idx="minor">
+            <a:schemeClr val="lt1"/>
+          </a:fontRef>
+        </p:style>
+        <p:txBody>
+          <a:bodyPr rtlCol="0" anchor="ctr"/>
+          <a:lstStyle/>
+          <a:p>
+            <a:pPr algn="ctr"/>
+            <a:endParaRPr lang="es-419"/>
+          </a:p>
+        </p:txBody>
+      </p:sp>
+    </p:spTree>
+    <p:extLst>
+      <p:ext uri="{BB962C8B-B14F-4D97-AF65-F5344CB8AC3E}">
+        <p14:creationId xmlns:p14="http://schemas.microsoft.com/office/powerpoint/2010/main" val="3495617283"/>
+      </p:ext>
+    </p:extLst>
+  </p:cSld>
+  <p:clrMapOvr>
+    <a:masterClrMapping/>
+  </p:clrMapOvr>
+</p:sld>
+</file>
+
+<file path=ppt/slides/slide13.xml><?xml version="1.0" encoding="utf-8"?>
+<p:sld xmlns:a="http://schemas.openxmlformats.org/drawingml/2006/main" xmlns:r="http://schemas.openxmlformats.org/officeDocument/2006/relationships" xmlns:p="http://schemas.openxmlformats.org/presentationml/2006/main">
+  <p:cSld>
+    <p:spTree>
+      <p:nvGrpSpPr>
+        <p:cNvPr id="1" name=""/>
+        <p:cNvGrpSpPr/>
+        <p:nvPr/>
+      </p:nvGrpSpPr>
+      <p:grpSpPr>
+        <a:xfrm>
+          <a:off x="0" y="0"/>
+          <a:ext cx="0" cy="0"/>
+          <a:chOff x="0" y="0"/>
+          <a:chExt cx="0" cy="0"/>
+        </a:xfrm>
+      </p:grpSpPr>
+      <p:pic>
+        <p:nvPicPr>
+          <p:cNvPr id="3" name="Imagen 2" descr="Imagen que contiene Texto&#10;&#10;Descripción generada automáticamente">
+            <a:extLst>
+              <a:ext uri="{FF2B5EF4-FFF2-40B4-BE49-F238E27FC236}">
+                <a16:creationId xmlns:a16="http://schemas.microsoft.com/office/drawing/2014/main" id="{C7BFBE2D-4F1A-6E28-D6E8-187B1CA38D3C}"/>
+              </a:ext>
+            </a:extLst>
+          </p:cNvPr>
+          <p:cNvPicPr>
+            <a:picLocks noChangeAspect="1"/>
+          </p:cNvPicPr>
+          <p:nvPr/>
+        </p:nvPicPr>
+        <p:blipFill>
+          <a:blip r:embed="rId2">
+            <a:extLst>
+              <a:ext uri="{28A0092B-C50C-407E-A947-70E740481C1C}">
+                <a14:useLocalDpi xmlns:a14="http://schemas.microsoft.com/office/drawing/2010/main" val="0"/>
+              </a:ext>
+            </a:extLst>
+          </a:blip>
+          <a:stretch>
+            <a:fillRect/>
+          </a:stretch>
+        </p:blipFill>
+        <p:spPr>
+          <a:xfrm>
+            <a:off x="0" y="182505"/>
+            <a:ext cx="12192000" cy="6492990"/>
+          </a:xfrm>
+          <a:prstGeom prst="rect">
+            <a:avLst/>
+          </a:prstGeom>
+        </p:spPr>
+      </p:pic>
+    </p:spTree>
+    <p:extLst>
+      <p:ext uri="{BB962C8B-B14F-4D97-AF65-F5344CB8AC3E}">
+        <p14:creationId xmlns:p14="http://schemas.microsoft.com/office/powerpoint/2010/main" val="754779932"/>
+      </p:ext>
+    </p:extLst>
+  </p:cSld>
+  <p:clrMapOvr>
+    <a:masterClrMapping/>
+  </p:clrMapOvr>
+</p:sld>
+</file>
+
+<file path=ppt/slides/slide14.xml><?xml version="1.0" encoding="utf-8"?>
+<p:sld xmlns:a="http://schemas.openxmlformats.org/drawingml/2006/main" xmlns:r="http://schemas.openxmlformats.org/officeDocument/2006/relationships" xmlns:p="http://schemas.openxmlformats.org/presentationml/2006/main">
+  <p:cSld>
+    <p:spTree>
+      <p:nvGrpSpPr>
+        <p:cNvPr id="1" name=""/>
+        <p:cNvGrpSpPr/>
+        <p:nvPr/>
+      </p:nvGrpSpPr>
+      <p:grpSpPr>
+        <a:xfrm>
+          <a:off x="0" y="0"/>
+          <a:ext cx="0" cy="0"/>
+          <a:chOff x="0" y="0"/>
+          <a:chExt cx="0" cy="0"/>
+        </a:xfrm>
+      </p:grpSpPr>
+      <p:grpSp>
+        <p:nvGrpSpPr>
+          <p:cNvPr id="5" name="Grupo 4">
+            <a:extLst>
+              <a:ext uri="{FF2B5EF4-FFF2-40B4-BE49-F238E27FC236}">
+                <a16:creationId xmlns:a16="http://schemas.microsoft.com/office/drawing/2014/main" id="{162C5FC7-6E90-23B7-E5A0-A1DF1ECB2CD0}"/>
+              </a:ext>
+            </a:extLst>
+          </p:cNvPr>
+          <p:cNvGrpSpPr/>
+          <p:nvPr/>
+        </p:nvGrpSpPr>
+        <p:grpSpPr>
+          <a:xfrm>
+            <a:off x="0" y="182505"/>
+            <a:ext cx="12192000" cy="6492990"/>
+            <a:chOff x="0" y="182505"/>
+            <a:chExt cx="12192000" cy="6492990"/>
+          </a:xfrm>
+        </p:grpSpPr>
+        <p:pic>
+          <p:nvPicPr>
+            <p:cNvPr id="3" name="Imagen 2" descr="Captura de pantalla de computadora&#10;&#10;Descripción generada automáticamente">
+              <a:extLst>
+                <a:ext uri="{FF2B5EF4-FFF2-40B4-BE49-F238E27FC236}">
+                  <a16:creationId xmlns:a16="http://schemas.microsoft.com/office/drawing/2014/main" id="{CA4BE48E-3A33-D91F-45E3-2408616D2EBA}"/>
+                </a:ext>
+              </a:extLst>
+            </p:cNvPr>
+            <p:cNvPicPr>
+              <a:picLocks noChangeAspect="1"/>
+            </p:cNvPicPr>
+            <p:nvPr/>
+          </p:nvPicPr>
+          <p:blipFill>
+            <a:blip r:embed="rId2">
+              <a:extLst>
+                <a:ext uri="{28A0092B-C50C-407E-A947-70E740481C1C}">
+                  <a14:useLocalDpi xmlns:a14="http://schemas.microsoft.com/office/drawing/2010/main" val="0"/>
+                </a:ext>
+              </a:extLst>
+            </a:blip>
+            <a:stretch>
+              <a:fillRect/>
+            </a:stretch>
+          </p:blipFill>
+          <p:spPr>
+            <a:xfrm>
+              <a:off x="0" y="182505"/>
+              <a:ext cx="12192000" cy="6492990"/>
+            </a:xfrm>
+            <a:prstGeom prst="rect">
+              <a:avLst/>
+            </a:prstGeom>
+          </p:spPr>
+        </p:pic>
+        <p:sp>
+          <p:nvSpPr>
+            <p:cNvPr id="4" name="Flecha: a la derecha 3">
+              <a:extLst>
+                <a:ext uri="{FF2B5EF4-FFF2-40B4-BE49-F238E27FC236}">
+                  <a16:creationId xmlns:a16="http://schemas.microsoft.com/office/drawing/2014/main" id="{6C215063-26EA-4738-BB0D-8BF786AF4788}"/>
+                </a:ext>
+              </a:extLst>
+            </p:cNvPr>
+            <p:cNvSpPr/>
+            <p:nvPr/>
+          </p:nvSpPr>
+          <p:spPr>
+            <a:xfrm>
+              <a:off x="898760" y="1762797"/>
+              <a:ext cx="1045029" cy="307303"/>
+            </a:xfrm>
+            <a:prstGeom prst="rightArrow">
+              <a:avLst/>
+            </a:prstGeom>
+            <a:solidFill>
+              <a:srgbClr val="FF0000"/>
+            </a:solidFill>
+            <a:ln>
+              <a:solidFill>
+                <a:schemeClr val="accent1">
+                  <a:shade val="15000"/>
+                </a:schemeClr>
+              </a:solidFill>
+            </a:ln>
+          </p:spPr>
+          <p:style>
+            <a:lnRef idx="2">
+              <a:schemeClr val="accent1">
+                <a:shade val="15000"/>
+              </a:schemeClr>
+            </a:lnRef>
+            <a:fillRef idx="1">
+              <a:schemeClr val="accent1"/>
+            </a:fillRef>
+            <a:effectRef idx="0">
+              <a:schemeClr val="accent1"/>
+            </a:effectRef>
+            <a:fontRef idx="minor">
+              <a:schemeClr val="lt1"/>
+            </a:fontRef>
+          </p:style>
+          <p:txBody>
+            <a:bodyPr rtlCol="0" anchor="ctr"/>
+            <a:lstStyle/>
+            <a:p>
+              <a:pPr algn="ctr"/>
+              <a:endParaRPr lang="es-419"/>
+            </a:p>
+          </p:txBody>
+        </p:sp>
+      </p:grpSp>
     </p:spTree>
     <p:extLst>
       <p:ext uri="{BB962C8B-B14F-4D97-AF65-F5344CB8AC3E}">
         <p14:creationId xmlns:p14="http://schemas.microsoft.com/office/powerpoint/2010/main" val="117511728"/>
+      </p:ext>
+    </p:extLst>
+  </p:cSld>
+  <p:clrMapOvr>
+    <a:masterClrMapping/>
+  </p:clrMapOvr>
+</p:sld>
+</file>
+
+<file path=ppt/slides/slide15.xml><?xml version="1.0" encoding="utf-8"?>
+<p:sld xmlns:a="http://schemas.openxmlformats.org/drawingml/2006/main" xmlns:r="http://schemas.openxmlformats.org/officeDocument/2006/relationships" xmlns:p="http://schemas.openxmlformats.org/presentationml/2006/main">
+  <p:cSld>
+    <p:spTree>
+      <p:nvGrpSpPr>
+        <p:cNvPr id="1" name=""/>
+        <p:cNvGrpSpPr/>
+        <p:nvPr/>
+      </p:nvGrpSpPr>
+      <p:grpSpPr>
+        <a:xfrm>
+          <a:off x="0" y="0"/>
+          <a:ext cx="0" cy="0"/>
+          <a:chOff x="0" y="0"/>
+          <a:chExt cx="0" cy="0"/>
+        </a:xfrm>
+      </p:grpSpPr>
+      <p:pic>
+        <p:nvPicPr>
+          <p:cNvPr id="3" name="Imagen 2" descr="Texto&#10;&#10;Descripción generada automáticamente">
+            <a:extLst>
+              <a:ext uri="{FF2B5EF4-FFF2-40B4-BE49-F238E27FC236}">
+                <a16:creationId xmlns:a16="http://schemas.microsoft.com/office/drawing/2014/main" id="{F5E53925-B48C-3D60-7F43-079952FE7756}"/>
+              </a:ext>
+            </a:extLst>
+          </p:cNvPr>
+          <p:cNvPicPr>
+            <a:picLocks noChangeAspect="1"/>
+          </p:cNvPicPr>
+          <p:nvPr/>
+        </p:nvPicPr>
+        <p:blipFill>
+          <a:blip r:embed="rId2">
+            <a:extLst>
+              <a:ext uri="{28A0092B-C50C-407E-A947-70E740481C1C}">
+                <a14:useLocalDpi xmlns:a14="http://schemas.microsoft.com/office/drawing/2010/main" val="0"/>
+              </a:ext>
+            </a:extLst>
+          </a:blip>
+          <a:stretch>
+            <a:fillRect/>
+          </a:stretch>
+        </p:blipFill>
+        <p:spPr>
+          <a:xfrm>
+            <a:off x="718387" y="404390"/>
+            <a:ext cx="10755226" cy="6049219"/>
+          </a:xfrm>
+          <a:prstGeom prst="rect">
+            <a:avLst/>
+          </a:prstGeom>
+        </p:spPr>
+      </p:pic>
+    </p:spTree>
+    <p:extLst>
+      <p:ext uri="{BB962C8B-B14F-4D97-AF65-F5344CB8AC3E}">
+        <p14:creationId xmlns:p14="http://schemas.microsoft.com/office/powerpoint/2010/main" val="3750087971"/>
+      </p:ext>
+    </p:extLst>
+  </p:cSld>
+  <p:clrMapOvr>
+    <a:masterClrMapping/>
+  </p:clrMapOvr>
+</p:sld>
+</file>
+
+<file path=ppt/slides/slide16.xml><?xml version="1.0" encoding="utf-8"?>
+<p:sld xmlns:a="http://schemas.openxmlformats.org/drawingml/2006/main" xmlns:r="http://schemas.openxmlformats.org/officeDocument/2006/relationships" xmlns:p="http://schemas.openxmlformats.org/presentationml/2006/main">
+  <p:cSld>
+    <p:spTree>
+      <p:nvGrpSpPr>
+        <p:cNvPr id="1" name=""/>
+        <p:cNvGrpSpPr/>
+        <p:nvPr/>
+      </p:nvGrpSpPr>
+      <p:grpSpPr>
+        <a:xfrm>
+          <a:off x="0" y="0"/>
+          <a:ext cx="0" cy="0"/>
+          <a:chOff x="0" y="0"/>
+          <a:chExt cx="0" cy="0"/>
+        </a:xfrm>
+      </p:grpSpPr>
+      <p:pic>
+        <p:nvPicPr>
+          <p:cNvPr id="3" name="Imagen 2" descr="Captura de pantalla de un celular&#10;&#10;Descripción generada automáticamente">
+            <a:extLst>
+              <a:ext uri="{FF2B5EF4-FFF2-40B4-BE49-F238E27FC236}">
+                <a16:creationId xmlns:a16="http://schemas.microsoft.com/office/drawing/2014/main" id="{0A123DC2-242C-3356-5264-60833E1194ED}"/>
+              </a:ext>
+            </a:extLst>
+          </p:cNvPr>
+          <p:cNvPicPr>
+            <a:picLocks noChangeAspect="1"/>
+          </p:cNvPicPr>
+          <p:nvPr/>
+        </p:nvPicPr>
+        <p:blipFill>
+          <a:blip r:embed="rId2">
+            <a:extLst>
+              <a:ext uri="{28A0092B-C50C-407E-A947-70E740481C1C}">
+                <a14:useLocalDpi xmlns:a14="http://schemas.microsoft.com/office/drawing/2010/main" val="0"/>
+              </a:ext>
+            </a:extLst>
+          </a:blip>
+          <a:stretch>
+            <a:fillRect/>
+          </a:stretch>
+        </p:blipFill>
+        <p:spPr>
+          <a:xfrm>
+            <a:off x="0" y="182505"/>
+            <a:ext cx="12192000" cy="6492990"/>
+          </a:xfrm>
+          <a:prstGeom prst="rect">
+            <a:avLst/>
+          </a:prstGeom>
+        </p:spPr>
+      </p:pic>
+    </p:spTree>
+    <p:extLst>
+      <p:ext uri="{BB962C8B-B14F-4D97-AF65-F5344CB8AC3E}">
+        <p14:creationId xmlns:p14="http://schemas.microsoft.com/office/powerpoint/2010/main" val="2641323482"/>
+      </p:ext>
+    </p:extLst>
+  </p:cSld>
+  <p:clrMapOvr>
+    <a:masterClrMapping/>
+  </p:clrMapOvr>
+</p:sld>
+</file>
+
+<file path=ppt/slides/slide17.xml><?xml version="1.0" encoding="utf-8"?>
+<p:sld xmlns:a="http://schemas.openxmlformats.org/drawingml/2006/main" xmlns:r="http://schemas.openxmlformats.org/officeDocument/2006/relationships" xmlns:p="http://schemas.openxmlformats.org/presentationml/2006/main">
+  <p:cSld>
+    <p:spTree>
+      <p:nvGrpSpPr>
+        <p:cNvPr id="1" name=""/>
+        <p:cNvGrpSpPr/>
+        <p:nvPr/>
+      </p:nvGrpSpPr>
+      <p:grpSpPr>
+        <a:xfrm>
+          <a:off x="0" y="0"/>
+          <a:ext cx="0" cy="0"/>
+          <a:chOff x="0" y="0"/>
+          <a:chExt cx="0" cy="0"/>
+        </a:xfrm>
+      </p:grpSpPr>
+      <p:grpSp>
+        <p:nvGrpSpPr>
+          <p:cNvPr id="6" name="Grupo 5">
+            <a:extLst>
+              <a:ext uri="{FF2B5EF4-FFF2-40B4-BE49-F238E27FC236}">
+                <a16:creationId xmlns:a16="http://schemas.microsoft.com/office/drawing/2014/main" id="{7920CCB7-54C8-0401-A0FA-B9AC850432C1}"/>
+              </a:ext>
+            </a:extLst>
+          </p:cNvPr>
+          <p:cNvGrpSpPr/>
+          <p:nvPr/>
+        </p:nvGrpSpPr>
+        <p:grpSpPr>
+          <a:xfrm>
+            <a:off x="0" y="183843"/>
+            <a:ext cx="12192000" cy="6490314"/>
+            <a:chOff x="0" y="183843"/>
+            <a:chExt cx="12192000" cy="6490314"/>
+          </a:xfrm>
+        </p:grpSpPr>
+        <p:pic>
+          <p:nvPicPr>
+            <p:cNvPr id="3" name="Imagen 2">
+              <a:extLst>
+                <a:ext uri="{FF2B5EF4-FFF2-40B4-BE49-F238E27FC236}">
+                  <a16:creationId xmlns:a16="http://schemas.microsoft.com/office/drawing/2014/main" id="{A23E40CD-E9F7-BB1A-0551-56964451DFA2}"/>
+                </a:ext>
+              </a:extLst>
+            </p:cNvPr>
+            <p:cNvPicPr>
+              <a:picLocks noChangeAspect="1"/>
+            </p:cNvPicPr>
+            <p:nvPr/>
+          </p:nvPicPr>
+          <p:blipFill>
+            <a:blip r:embed="rId2"/>
+            <a:stretch>
+              <a:fillRect/>
+            </a:stretch>
+          </p:blipFill>
+          <p:spPr>
+            <a:xfrm>
+              <a:off x="0" y="183843"/>
+              <a:ext cx="12192000" cy="6490314"/>
+            </a:xfrm>
+            <a:prstGeom prst="rect">
+              <a:avLst/>
+            </a:prstGeom>
+          </p:spPr>
+        </p:pic>
+        <p:sp>
+          <p:nvSpPr>
+            <p:cNvPr id="4" name="Flecha: a la derecha 3">
+              <a:extLst>
+                <a:ext uri="{FF2B5EF4-FFF2-40B4-BE49-F238E27FC236}">
+                  <a16:creationId xmlns:a16="http://schemas.microsoft.com/office/drawing/2014/main" id="{7A842EDD-633F-96DD-74E1-D6D0B5DD1939}"/>
+                </a:ext>
+              </a:extLst>
+            </p:cNvPr>
+            <p:cNvSpPr/>
+            <p:nvPr/>
+          </p:nvSpPr>
+          <p:spPr>
+            <a:xfrm>
+              <a:off x="1131516" y="4555874"/>
+              <a:ext cx="1045029" cy="307303"/>
+            </a:xfrm>
+            <a:prstGeom prst="rightArrow">
+              <a:avLst/>
+            </a:prstGeom>
+            <a:solidFill>
+              <a:srgbClr val="FF0000"/>
+            </a:solidFill>
+            <a:ln>
+              <a:solidFill>
+                <a:schemeClr val="accent1">
+                  <a:shade val="15000"/>
+                </a:schemeClr>
+              </a:solidFill>
+            </a:ln>
+          </p:spPr>
+          <p:style>
+            <a:lnRef idx="2">
+              <a:schemeClr val="accent1">
+                <a:shade val="15000"/>
+              </a:schemeClr>
+            </a:lnRef>
+            <a:fillRef idx="1">
+              <a:schemeClr val="accent1"/>
+            </a:fillRef>
+            <a:effectRef idx="0">
+              <a:schemeClr val="accent1"/>
+            </a:effectRef>
+            <a:fontRef idx="minor">
+              <a:schemeClr val="lt1"/>
+            </a:fontRef>
+          </p:style>
+          <p:txBody>
+            <a:bodyPr rtlCol="0" anchor="ctr"/>
+            <a:lstStyle/>
+            <a:p>
+              <a:pPr algn="ctr"/>
+              <a:endParaRPr lang="es-419"/>
+            </a:p>
+          </p:txBody>
+        </p:sp>
+      </p:grpSp>
+    </p:spTree>
+    <p:extLst>
+      <p:ext uri="{BB962C8B-B14F-4D97-AF65-F5344CB8AC3E}">
+        <p14:creationId xmlns:p14="http://schemas.microsoft.com/office/powerpoint/2010/main" val="3309427686"/>
+      </p:ext>
+    </p:extLst>
+  </p:cSld>
+  <p:clrMapOvr>
+    <a:masterClrMapping/>
+  </p:clrMapOvr>
+</p:sld>
+</file>
+
+<file path=ppt/slides/slide18.xml><?xml version="1.0" encoding="utf-8"?>
+<p:sld xmlns:a="http://schemas.openxmlformats.org/drawingml/2006/main" xmlns:r="http://schemas.openxmlformats.org/officeDocument/2006/relationships" xmlns:p="http://schemas.openxmlformats.org/presentationml/2006/main">
+  <p:cSld>
+    <p:spTree>
+      <p:nvGrpSpPr>
+        <p:cNvPr id="1" name=""/>
+        <p:cNvGrpSpPr/>
+        <p:nvPr/>
+      </p:nvGrpSpPr>
+      <p:grpSpPr>
+        <a:xfrm>
+          <a:off x="0" y="0"/>
+          <a:ext cx="0" cy="0"/>
+          <a:chOff x="0" y="0"/>
+          <a:chExt cx="0" cy="0"/>
+        </a:xfrm>
+      </p:grpSpPr>
+      <p:pic>
+        <p:nvPicPr>
+          <p:cNvPr id="3" name="Imagen 2">
+            <a:extLst>
+              <a:ext uri="{FF2B5EF4-FFF2-40B4-BE49-F238E27FC236}">
+                <a16:creationId xmlns:a16="http://schemas.microsoft.com/office/drawing/2014/main" id="{A524E6BE-7D19-EDB5-6129-1EB3C93282A9}"/>
+              </a:ext>
+            </a:extLst>
+          </p:cNvPr>
+          <p:cNvPicPr>
+            <a:picLocks noChangeAspect="1"/>
+          </p:cNvPicPr>
+          <p:nvPr/>
+        </p:nvPicPr>
+        <p:blipFill>
+          <a:blip r:embed="rId2"/>
+          <a:stretch>
+            <a:fillRect/>
+          </a:stretch>
+        </p:blipFill>
+        <p:spPr>
+          <a:xfrm>
+            <a:off x="0" y="215881"/>
+            <a:ext cx="12192000" cy="6426237"/>
+          </a:xfrm>
+          <a:prstGeom prst="rect">
+            <a:avLst/>
+          </a:prstGeom>
+        </p:spPr>
+      </p:pic>
+      <p:sp>
+        <p:nvSpPr>
+          <p:cNvPr id="4" name="Flecha: a la derecha 3">
+            <a:extLst>
+              <a:ext uri="{FF2B5EF4-FFF2-40B4-BE49-F238E27FC236}">
+                <a16:creationId xmlns:a16="http://schemas.microsoft.com/office/drawing/2014/main" id="{28D0C125-5ED9-7A66-BBE2-07022324C23D}"/>
+              </a:ext>
+            </a:extLst>
+          </p:cNvPr>
+          <p:cNvSpPr/>
+          <p:nvPr/>
+        </p:nvSpPr>
+        <p:spPr>
+          <a:xfrm>
+            <a:off x="1396987" y="3847951"/>
+            <a:ext cx="1045029" cy="307303"/>
+          </a:xfrm>
+          <a:prstGeom prst="rightArrow">
+            <a:avLst/>
+          </a:prstGeom>
+          <a:solidFill>
+            <a:srgbClr val="FF0000"/>
+          </a:solidFill>
+          <a:ln>
+            <a:solidFill>
+              <a:schemeClr val="accent1">
+                <a:shade val="15000"/>
+              </a:schemeClr>
+            </a:solidFill>
+          </a:ln>
+        </p:spPr>
+        <p:style>
+          <a:lnRef idx="2">
+            <a:schemeClr val="accent1">
+              <a:shade val="15000"/>
+            </a:schemeClr>
+          </a:lnRef>
+          <a:fillRef idx="1">
+            <a:schemeClr val="accent1"/>
+          </a:fillRef>
+          <a:effectRef idx="0">
+            <a:schemeClr val="accent1"/>
+          </a:effectRef>
+          <a:fontRef idx="minor">
+            <a:schemeClr val="lt1"/>
+          </a:fontRef>
+        </p:style>
+        <p:txBody>
+          <a:bodyPr rtlCol="0" anchor="ctr"/>
+          <a:lstStyle/>
+          <a:p>
+            <a:pPr algn="ctr"/>
+            <a:endParaRPr lang="es-419"/>
+          </a:p>
+        </p:txBody>
+      </p:sp>
+      <p:sp>
+        <p:nvSpPr>
+          <p:cNvPr id="5" name="Flecha: a la derecha 4">
+            <a:extLst>
+              <a:ext uri="{FF2B5EF4-FFF2-40B4-BE49-F238E27FC236}">
+                <a16:creationId xmlns:a16="http://schemas.microsoft.com/office/drawing/2014/main" id="{711042DF-5AC7-3099-BE7A-8881FC15B038}"/>
+              </a:ext>
+            </a:extLst>
+          </p:cNvPr>
+          <p:cNvSpPr/>
+          <p:nvPr/>
+        </p:nvSpPr>
+        <p:spPr>
+          <a:xfrm rot="16200000">
+            <a:off x="8771181" y="4524117"/>
+            <a:ext cx="1045029" cy="307303"/>
+          </a:xfrm>
+          <a:prstGeom prst="rightArrow">
+            <a:avLst/>
+          </a:prstGeom>
+          <a:solidFill>
+            <a:srgbClr val="FF0000"/>
+          </a:solidFill>
+          <a:ln>
+            <a:solidFill>
+              <a:schemeClr val="accent1">
+                <a:shade val="15000"/>
+              </a:schemeClr>
+            </a:solidFill>
+          </a:ln>
+        </p:spPr>
+        <p:style>
+          <a:lnRef idx="2">
+            <a:schemeClr val="accent1">
+              <a:shade val="15000"/>
+            </a:schemeClr>
+          </a:lnRef>
+          <a:fillRef idx="1">
+            <a:schemeClr val="accent1"/>
+          </a:fillRef>
+          <a:effectRef idx="0">
+            <a:schemeClr val="accent1"/>
+          </a:effectRef>
+          <a:fontRef idx="minor">
+            <a:schemeClr val="lt1"/>
+          </a:fontRef>
+        </p:style>
+        <p:txBody>
+          <a:bodyPr rtlCol="0" anchor="ctr"/>
+          <a:lstStyle/>
+          <a:p>
+            <a:pPr algn="ctr"/>
+            <a:endParaRPr lang="es-419"/>
+          </a:p>
+        </p:txBody>
+      </p:sp>
+    </p:spTree>
+    <p:extLst>
+      <p:ext uri="{BB962C8B-B14F-4D97-AF65-F5344CB8AC3E}">
+        <p14:creationId xmlns:p14="http://schemas.microsoft.com/office/powerpoint/2010/main" val="895656099"/>
+      </p:ext>
+    </p:extLst>
+  </p:cSld>
+  <p:clrMapOvr>
+    <a:masterClrMapping/>
+  </p:clrMapOvr>
+</p:sld>
+</file>
+
+<file path=ppt/slides/slide19.xml><?xml version="1.0" encoding="utf-8"?>
+<p:sld xmlns:a="http://schemas.openxmlformats.org/drawingml/2006/main" xmlns:r="http://schemas.openxmlformats.org/officeDocument/2006/relationships" xmlns:p="http://schemas.openxmlformats.org/presentationml/2006/main">
+  <p:cSld>
+    <p:spTree>
+      <p:nvGrpSpPr>
+        <p:cNvPr id="1" name=""/>
+        <p:cNvGrpSpPr/>
+        <p:nvPr/>
+      </p:nvGrpSpPr>
+      <p:grpSpPr>
+        <a:xfrm>
+          <a:off x="0" y="0"/>
+          <a:ext cx="0" cy="0"/>
+          <a:chOff x="0" y="0"/>
+          <a:chExt cx="0" cy="0"/>
+        </a:xfrm>
+      </p:grpSpPr>
+      <p:pic>
+        <p:nvPicPr>
+          <p:cNvPr id="3" name="Imagen 2" descr="Captura de pantalla de un celular&#10;&#10;Descripción generada automáticamente">
+            <a:extLst>
+              <a:ext uri="{FF2B5EF4-FFF2-40B4-BE49-F238E27FC236}">
+                <a16:creationId xmlns:a16="http://schemas.microsoft.com/office/drawing/2014/main" id="{CCE3B181-9EEA-C58C-A210-C29BBB80A7BE}"/>
+              </a:ext>
+            </a:extLst>
+          </p:cNvPr>
+          <p:cNvPicPr>
+            <a:picLocks noChangeAspect="1"/>
+          </p:cNvPicPr>
+          <p:nvPr/>
+        </p:nvPicPr>
+        <p:blipFill>
+          <a:blip r:embed="rId2">
+            <a:extLst>
+              <a:ext uri="{28A0092B-C50C-407E-A947-70E740481C1C}">
+                <a14:useLocalDpi xmlns:a14="http://schemas.microsoft.com/office/drawing/2010/main" val="0"/>
+              </a:ext>
+            </a:extLst>
+          </a:blip>
+          <a:stretch>
+            <a:fillRect/>
+          </a:stretch>
+        </p:blipFill>
+        <p:spPr>
+          <a:xfrm>
+            <a:off x="0" y="182505"/>
+            <a:ext cx="12192000" cy="6492990"/>
+          </a:xfrm>
+          <a:prstGeom prst="rect">
+            <a:avLst/>
+          </a:prstGeom>
+        </p:spPr>
+      </p:pic>
+      <p:sp>
+        <p:nvSpPr>
+          <p:cNvPr id="4" name="Flecha: a la derecha 3">
+            <a:extLst>
+              <a:ext uri="{FF2B5EF4-FFF2-40B4-BE49-F238E27FC236}">
+                <a16:creationId xmlns:a16="http://schemas.microsoft.com/office/drawing/2014/main" id="{45279C59-4571-F7E6-BED0-05F5FE159E6B}"/>
+              </a:ext>
+            </a:extLst>
+          </p:cNvPr>
+          <p:cNvSpPr/>
+          <p:nvPr/>
+        </p:nvSpPr>
+        <p:spPr>
+          <a:xfrm rot="5400000">
+            <a:off x="10700645" y="5386465"/>
+            <a:ext cx="1045029" cy="307303"/>
+          </a:xfrm>
+          <a:prstGeom prst="rightArrow">
+            <a:avLst/>
+          </a:prstGeom>
+          <a:solidFill>
+            <a:srgbClr val="FF0000"/>
+          </a:solidFill>
+          <a:ln>
+            <a:solidFill>
+              <a:schemeClr val="accent1">
+                <a:shade val="15000"/>
+              </a:schemeClr>
+            </a:solidFill>
+          </a:ln>
+        </p:spPr>
+        <p:style>
+          <a:lnRef idx="2">
+            <a:schemeClr val="accent1">
+              <a:shade val="15000"/>
+            </a:schemeClr>
+          </a:lnRef>
+          <a:fillRef idx="1">
+            <a:schemeClr val="accent1"/>
+          </a:fillRef>
+          <a:effectRef idx="0">
+            <a:schemeClr val="accent1"/>
+          </a:effectRef>
+          <a:fontRef idx="minor">
+            <a:schemeClr val="lt1"/>
+          </a:fontRef>
+        </p:style>
+        <p:txBody>
+          <a:bodyPr rtlCol="0" anchor="ctr"/>
+          <a:lstStyle/>
+          <a:p>
+            <a:pPr algn="ctr"/>
+            <a:endParaRPr lang="es-419"/>
+          </a:p>
+        </p:txBody>
+      </p:sp>
+      <p:sp>
+        <p:nvSpPr>
+          <p:cNvPr id="5" name="Flecha: a la derecha 4">
+            <a:extLst>
+              <a:ext uri="{FF2B5EF4-FFF2-40B4-BE49-F238E27FC236}">
+                <a16:creationId xmlns:a16="http://schemas.microsoft.com/office/drawing/2014/main" id="{A853B303-8CCD-687C-58D8-B8CFBA2EC535}"/>
+              </a:ext>
+            </a:extLst>
+          </p:cNvPr>
+          <p:cNvSpPr/>
+          <p:nvPr/>
+        </p:nvSpPr>
+        <p:spPr>
+          <a:xfrm rot="13376387">
+            <a:off x="112474" y="1489379"/>
+            <a:ext cx="1045029" cy="307303"/>
+          </a:xfrm>
+          <a:prstGeom prst="rightArrow">
+            <a:avLst/>
+          </a:prstGeom>
+          <a:solidFill>
+            <a:srgbClr val="FF0000"/>
+          </a:solidFill>
+          <a:ln>
+            <a:solidFill>
+              <a:schemeClr val="accent1">
+                <a:shade val="15000"/>
+              </a:schemeClr>
+            </a:solidFill>
+          </a:ln>
+        </p:spPr>
+        <p:style>
+          <a:lnRef idx="2">
+            <a:schemeClr val="accent1">
+              <a:shade val="15000"/>
+            </a:schemeClr>
+          </a:lnRef>
+          <a:fillRef idx="1">
+            <a:schemeClr val="accent1"/>
+          </a:fillRef>
+          <a:effectRef idx="0">
+            <a:schemeClr val="accent1"/>
+          </a:effectRef>
+          <a:fontRef idx="minor">
+            <a:schemeClr val="lt1"/>
+          </a:fontRef>
+        </p:style>
+        <p:txBody>
+          <a:bodyPr rtlCol="0" anchor="ctr"/>
+          <a:lstStyle/>
+          <a:p>
+            <a:pPr algn="ctr"/>
+            <a:endParaRPr lang="es-419"/>
+          </a:p>
+        </p:txBody>
+      </p:sp>
+    </p:spTree>
+    <p:extLst>
+      <p:ext uri="{BB962C8B-B14F-4D97-AF65-F5344CB8AC3E}">
+        <p14:creationId xmlns:p14="http://schemas.microsoft.com/office/powerpoint/2010/main" val="1299646611"/>
       </p:ext>
     </p:extLst>
   </p:cSld>
@@ -3820,6 +5037,265 @@
     <p:extLst>
       <p:ext uri="{BB962C8B-B14F-4D97-AF65-F5344CB8AC3E}">
         <p14:creationId xmlns:p14="http://schemas.microsoft.com/office/powerpoint/2010/main" val="3423317796"/>
+      </p:ext>
+    </p:extLst>
+  </p:cSld>
+  <p:clrMapOvr>
+    <a:masterClrMapping/>
+  </p:clrMapOvr>
+</p:sld>
+</file>
+
+<file path=ppt/slides/slide20.xml><?xml version="1.0" encoding="utf-8"?>
+<p:sld xmlns:a="http://schemas.openxmlformats.org/drawingml/2006/main" xmlns:r="http://schemas.openxmlformats.org/officeDocument/2006/relationships" xmlns:p="http://schemas.openxmlformats.org/presentationml/2006/main">
+  <p:cSld>
+    <p:spTree>
+      <p:nvGrpSpPr>
+        <p:cNvPr id="1" name=""/>
+        <p:cNvGrpSpPr/>
+        <p:nvPr/>
+      </p:nvGrpSpPr>
+      <p:grpSpPr>
+        <a:xfrm>
+          <a:off x="0" y="0"/>
+          <a:ext cx="0" cy="0"/>
+          <a:chOff x="0" y="0"/>
+          <a:chExt cx="0" cy="0"/>
+        </a:xfrm>
+      </p:grpSpPr>
+      <p:grpSp>
+        <p:nvGrpSpPr>
+          <p:cNvPr id="5" name="Grupo 4">
+            <a:extLst>
+              <a:ext uri="{FF2B5EF4-FFF2-40B4-BE49-F238E27FC236}">
+                <a16:creationId xmlns:a16="http://schemas.microsoft.com/office/drawing/2014/main" id="{31B09037-F32A-1CC2-5694-D5F061399A95}"/>
+              </a:ext>
+            </a:extLst>
+          </p:cNvPr>
+          <p:cNvGrpSpPr/>
+          <p:nvPr/>
+        </p:nvGrpSpPr>
+        <p:grpSpPr>
+          <a:xfrm>
+            <a:off x="0" y="182505"/>
+            <a:ext cx="12192000" cy="6492990"/>
+            <a:chOff x="0" y="182505"/>
+            <a:chExt cx="12192000" cy="6492990"/>
+          </a:xfrm>
+        </p:grpSpPr>
+        <p:pic>
+          <p:nvPicPr>
+            <p:cNvPr id="3" name="Imagen 2" descr="Interfaz de usuario gráfica, Texto&#10;&#10;Descripción generada automáticamente">
+              <a:extLst>
+                <a:ext uri="{FF2B5EF4-FFF2-40B4-BE49-F238E27FC236}">
+                  <a16:creationId xmlns:a16="http://schemas.microsoft.com/office/drawing/2014/main" id="{59EF823F-8E68-310B-0511-76A9D2121885}"/>
+                </a:ext>
+              </a:extLst>
+            </p:cNvPr>
+            <p:cNvPicPr>
+              <a:picLocks noChangeAspect="1"/>
+            </p:cNvPicPr>
+            <p:nvPr/>
+          </p:nvPicPr>
+          <p:blipFill>
+            <a:blip r:embed="rId2">
+              <a:extLst>
+                <a:ext uri="{28A0092B-C50C-407E-A947-70E740481C1C}">
+                  <a14:useLocalDpi xmlns:a14="http://schemas.microsoft.com/office/drawing/2010/main" val="0"/>
+                </a:ext>
+              </a:extLst>
+            </a:blip>
+            <a:stretch>
+              <a:fillRect/>
+            </a:stretch>
+          </p:blipFill>
+          <p:spPr>
+            <a:xfrm>
+              <a:off x="0" y="182505"/>
+              <a:ext cx="12192000" cy="6492990"/>
+            </a:xfrm>
+            <a:prstGeom prst="rect">
+              <a:avLst/>
+            </a:prstGeom>
+          </p:spPr>
+        </p:pic>
+        <p:sp>
+          <p:nvSpPr>
+            <p:cNvPr id="4" name="Rectángulo: esquinas redondeadas 3">
+              <a:extLst>
+                <a:ext uri="{FF2B5EF4-FFF2-40B4-BE49-F238E27FC236}">
+                  <a16:creationId xmlns:a16="http://schemas.microsoft.com/office/drawing/2014/main" id="{2FFF7887-4854-2E18-87D5-B491EB317348}"/>
+                </a:ext>
+              </a:extLst>
+            </p:cNvPr>
+            <p:cNvSpPr/>
+            <p:nvPr/>
+          </p:nvSpPr>
+          <p:spPr>
+            <a:xfrm>
+              <a:off x="8439150" y="1885950"/>
+              <a:ext cx="3524250" cy="3657600"/>
+            </a:xfrm>
+            <a:prstGeom prst="roundRect">
+              <a:avLst/>
+            </a:prstGeom>
+            <a:noFill/>
+            <a:ln w="63500">
+              <a:solidFill>
+                <a:srgbClr val="FF0000"/>
+              </a:solidFill>
+            </a:ln>
+          </p:spPr>
+          <p:style>
+            <a:lnRef idx="2">
+              <a:schemeClr val="accent1">
+                <a:shade val="15000"/>
+              </a:schemeClr>
+            </a:lnRef>
+            <a:fillRef idx="1">
+              <a:schemeClr val="accent1"/>
+            </a:fillRef>
+            <a:effectRef idx="0">
+              <a:schemeClr val="accent1"/>
+            </a:effectRef>
+            <a:fontRef idx="minor">
+              <a:schemeClr val="lt1"/>
+            </a:fontRef>
+          </p:style>
+          <p:txBody>
+            <a:bodyPr rtlCol="0" anchor="ctr"/>
+            <a:lstStyle/>
+            <a:p>
+              <a:pPr algn="ctr"/>
+              <a:endParaRPr lang="es-419"/>
+            </a:p>
+          </p:txBody>
+        </p:sp>
+      </p:grpSp>
+    </p:spTree>
+    <p:extLst>
+      <p:ext uri="{BB962C8B-B14F-4D97-AF65-F5344CB8AC3E}">
+        <p14:creationId xmlns:p14="http://schemas.microsoft.com/office/powerpoint/2010/main" val="3550000129"/>
+      </p:ext>
+    </p:extLst>
+  </p:cSld>
+  <p:clrMapOvr>
+    <a:masterClrMapping/>
+  </p:clrMapOvr>
+</p:sld>
+</file>
+
+<file path=ppt/slides/slide21.xml><?xml version="1.0" encoding="utf-8"?>
+<p:sld xmlns:a="http://schemas.openxmlformats.org/drawingml/2006/main" xmlns:r="http://schemas.openxmlformats.org/officeDocument/2006/relationships" xmlns:p="http://schemas.openxmlformats.org/presentationml/2006/main">
+  <p:cSld>
+    <p:spTree>
+      <p:nvGrpSpPr>
+        <p:cNvPr id="1" name=""/>
+        <p:cNvGrpSpPr/>
+        <p:nvPr/>
+      </p:nvGrpSpPr>
+      <p:grpSpPr>
+        <a:xfrm>
+          <a:off x="0" y="0"/>
+          <a:ext cx="0" cy="0"/>
+          <a:chOff x="0" y="0"/>
+          <a:chExt cx="0" cy="0"/>
+        </a:xfrm>
+      </p:grpSpPr>
+    </p:spTree>
+    <p:extLst>
+      <p:ext uri="{BB962C8B-B14F-4D97-AF65-F5344CB8AC3E}">
+        <p14:creationId xmlns:p14="http://schemas.microsoft.com/office/powerpoint/2010/main" val="684431512"/>
+      </p:ext>
+    </p:extLst>
+  </p:cSld>
+  <p:clrMapOvr>
+    <a:masterClrMapping/>
+  </p:clrMapOvr>
+</p:sld>
+</file>
+
+<file path=ppt/slides/slide22.xml><?xml version="1.0" encoding="utf-8"?>
+<p:sld xmlns:a="http://schemas.openxmlformats.org/drawingml/2006/main" xmlns:r="http://schemas.openxmlformats.org/officeDocument/2006/relationships" xmlns:p="http://schemas.openxmlformats.org/presentationml/2006/main">
+  <p:cSld>
+    <p:spTree>
+      <p:nvGrpSpPr>
+        <p:cNvPr id="1" name=""/>
+        <p:cNvGrpSpPr/>
+        <p:nvPr/>
+      </p:nvGrpSpPr>
+      <p:grpSpPr>
+        <a:xfrm>
+          <a:off x="0" y="0"/>
+          <a:ext cx="0" cy="0"/>
+          <a:chOff x="0" y="0"/>
+          <a:chExt cx="0" cy="0"/>
+        </a:xfrm>
+      </p:grpSpPr>
+    </p:spTree>
+    <p:extLst>
+      <p:ext uri="{BB962C8B-B14F-4D97-AF65-F5344CB8AC3E}">
+        <p14:creationId xmlns:p14="http://schemas.microsoft.com/office/powerpoint/2010/main" val="2889786721"/>
+      </p:ext>
+    </p:extLst>
+  </p:cSld>
+  <p:clrMapOvr>
+    <a:masterClrMapping/>
+  </p:clrMapOvr>
+</p:sld>
+</file>
+
+<file path=ppt/slides/slide23.xml><?xml version="1.0" encoding="utf-8"?>
+<p:sld xmlns:a="http://schemas.openxmlformats.org/drawingml/2006/main" xmlns:r="http://schemas.openxmlformats.org/officeDocument/2006/relationships" xmlns:p="http://schemas.openxmlformats.org/presentationml/2006/main">
+  <p:cSld>
+    <p:spTree>
+      <p:nvGrpSpPr>
+        <p:cNvPr id="1" name=""/>
+        <p:cNvGrpSpPr/>
+        <p:nvPr/>
+      </p:nvGrpSpPr>
+      <p:grpSpPr>
+        <a:xfrm>
+          <a:off x="0" y="0"/>
+          <a:ext cx="0" cy="0"/>
+          <a:chOff x="0" y="0"/>
+          <a:chExt cx="0" cy="0"/>
+        </a:xfrm>
+      </p:grpSpPr>
+    </p:spTree>
+    <p:extLst>
+      <p:ext uri="{BB962C8B-B14F-4D97-AF65-F5344CB8AC3E}">
+        <p14:creationId xmlns:p14="http://schemas.microsoft.com/office/powerpoint/2010/main" val="389722233"/>
+      </p:ext>
+    </p:extLst>
+  </p:cSld>
+  <p:clrMapOvr>
+    <a:masterClrMapping/>
+  </p:clrMapOvr>
+</p:sld>
+</file>
+
+<file path=ppt/slides/slide24.xml><?xml version="1.0" encoding="utf-8"?>
+<p:sld xmlns:a="http://schemas.openxmlformats.org/drawingml/2006/main" xmlns:r="http://schemas.openxmlformats.org/officeDocument/2006/relationships" xmlns:p="http://schemas.openxmlformats.org/presentationml/2006/main">
+  <p:cSld>
+    <p:spTree>
+      <p:nvGrpSpPr>
+        <p:cNvPr id="1" name=""/>
+        <p:cNvGrpSpPr/>
+        <p:nvPr/>
+      </p:nvGrpSpPr>
+      <p:grpSpPr>
+        <a:xfrm>
+          <a:off x="0" y="0"/>
+          <a:ext cx="0" cy="0"/>
+          <a:chOff x="0" y="0"/>
+          <a:chExt cx="0" cy="0"/>
+        </a:xfrm>
+      </p:grpSpPr>
+    </p:spTree>
+    <p:extLst>
+      <p:ext uri="{BB962C8B-B14F-4D97-AF65-F5344CB8AC3E}">
+        <p14:creationId xmlns:p14="http://schemas.microsoft.com/office/powerpoint/2010/main" val="2941462639"/>
       </p:ext>
     </p:extLst>
   </p:cSld>
@@ -4037,6 +5513,237 @@
           <a:chExt cx="0" cy="0"/>
         </a:xfrm>
       </p:grpSpPr>
+      <p:grpSp>
+        <p:nvGrpSpPr>
+          <p:cNvPr id="8" name="Grupo 7">
+            <a:extLst>
+              <a:ext uri="{FF2B5EF4-FFF2-40B4-BE49-F238E27FC236}">
+                <a16:creationId xmlns:a16="http://schemas.microsoft.com/office/drawing/2014/main" id="{1E959E0A-E371-99BA-04D1-63A740DCEE5B}"/>
+              </a:ext>
+            </a:extLst>
+          </p:cNvPr>
+          <p:cNvGrpSpPr/>
+          <p:nvPr/>
+        </p:nvGrpSpPr>
+        <p:grpSpPr>
+          <a:xfrm>
+            <a:off x="3704891" y="318653"/>
+            <a:ext cx="4782217" cy="6220693"/>
+            <a:chOff x="3704891" y="318653"/>
+            <a:chExt cx="4782217" cy="6220693"/>
+          </a:xfrm>
+        </p:grpSpPr>
+        <p:grpSp>
+          <p:nvGrpSpPr>
+            <p:cNvPr id="6" name="Grupo 5">
+              <a:extLst>
+                <a:ext uri="{FF2B5EF4-FFF2-40B4-BE49-F238E27FC236}">
+                  <a16:creationId xmlns:a16="http://schemas.microsoft.com/office/drawing/2014/main" id="{ACA929B9-7A1D-BAA8-EEDF-17F93D770D80}"/>
+                </a:ext>
+              </a:extLst>
+            </p:cNvPr>
+            <p:cNvGrpSpPr/>
+            <p:nvPr/>
+          </p:nvGrpSpPr>
+          <p:grpSpPr>
+            <a:xfrm>
+              <a:off x="3704891" y="318653"/>
+              <a:ext cx="4782217" cy="6220693"/>
+              <a:chOff x="3704891" y="318653"/>
+              <a:chExt cx="4782217" cy="6220693"/>
+            </a:xfrm>
+          </p:grpSpPr>
+          <p:pic>
+            <p:nvPicPr>
+              <p:cNvPr id="3" name="Imagen 2" descr="Interfaz de usuario gráfica, Aplicación&#10;&#10;Descripción generada automáticamente">
+                <a:extLst>
+                  <a:ext uri="{FF2B5EF4-FFF2-40B4-BE49-F238E27FC236}">
+                    <a16:creationId xmlns:a16="http://schemas.microsoft.com/office/drawing/2014/main" id="{E23B5F7A-0B9F-27CF-B7E9-225085FF57C2}"/>
+                  </a:ext>
+                </a:extLst>
+              </p:cNvPr>
+              <p:cNvPicPr>
+                <a:picLocks noChangeAspect="1"/>
+              </p:cNvPicPr>
+              <p:nvPr/>
+            </p:nvPicPr>
+            <p:blipFill>
+              <a:blip r:embed="rId2">
+                <a:extLst>
+                  <a:ext uri="{28A0092B-C50C-407E-A947-70E740481C1C}">
+                    <a14:useLocalDpi xmlns:a14="http://schemas.microsoft.com/office/drawing/2010/main" val="0"/>
+                  </a:ext>
+                </a:extLst>
+              </a:blip>
+              <a:stretch>
+                <a:fillRect/>
+              </a:stretch>
+            </p:blipFill>
+            <p:spPr>
+              <a:xfrm>
+                <a:off x="3704891" y="318653"/>
+                <a:ext cx="4782217" cy="6220693"/>
+              </a:xfrm>
+              <a:prstGeom prst="rect">
+                <a:avLst/>
+              </a:prstGeom>
+            </p:spPr>
+          </p:pic>
+          <p:sp>
+            <p:nvSpPr>
+              <p:cNvPr id="4" name="Rectángulo: esquinas redondeadas 3">
+                <a:extLst>
+                  <a:ext uri="{FF2B5EF4-FFF2-40B4-BE49-F238E27FC236}">
+                    <a16:creationId xmlns:a16="http://schemas.microsoft.com/office/drawing/2014/main" id="{5D9AA1BA-B991-28D4-3C8E-CF2B44899CF5}"/>
+                  </a:ext>
+                </a:extLst>
+              </p:cNvPr>
+              <p:cNvSpPr/>
+              <p:nvPr/>
+            </p:nvSpPr>
+            <p:spPr>
+              <a:xfrm>
+                <a:off x="3957145" y="1797269"/>
+                <a:ext cx="3200400" cy="472965"/>
+              </a:xfrm>
+              <a:prstGeom prst="roundRect">
+                <a:avLst/>
+              </a:prstGeom>
+              <a:noFill/>
+              <a:ln w="63500">
+                <a:solidFill>
+                  <a:srgbClr val="FF0000"/>
+                </a:solidFill>
+              </a:ln>
+            </p:spPr>
+            <p:style>
+              <a:lnRef idx="2">
+                <a:schemeClr val="accent1">
+                  <a:shade val="15000"/>
+                </a:schemeClr>
+              </a:lnRef>
+              <a:fillRef idx="1">
+                <a:schemeClr val="accent1"/>
+              </a:fillRef>
+              <a:effectRef idx="0">
+                <a:schemeClr val="accent1"/>
+              </a:effectRef>
+              <a:fontRef idx="minor">
+                <a:schemeClr val="lt1"/>
+              </a:fontRef>
+            </p:style>
+            <p:txBody>
+              <a:bodyPr rtlCol="0" anchor="ctr"/>
+              <a:lstStyle/>
+              <a:p>
+                <a:pPr algn="ctr"/>
+                <a:endParaRPr lang="es-419"/>
+              </a:p>
+            </p:txBody>
+          </p:sp>
+          <p:sp>
+            <p:nvSpPr>
+              <p:cNvPr id="5" name="Flecha: hacia abajo 4">
+                <a:extLst>
+                  <a:ext uri="{FF2B5EF4-FFF2-40B4-BE49-F238E27FC236}">
+                    <a16:creationId xmlns:a16="http://schemas.microsoft.com/office/drawing/2014/main" id="{2028FF84-F3EF-7C69-63CE-17B730A9558C}"/>
+                  </a:ext>
+                </a:extLst>
+              </p:cNvPr>
+              <p:cNvSpPr/>
+              <p:nvPr/>
+            </p:nvSpPr>
+            <p:spPr>
+              <a:xfrm>
+                <a:off x="5454869" y="2270234"/>
+                <a:ext cx="268014" cy="2743200"/>
+              </a:xfrm>
+              <a:prstGeom prst="downArrow">
+                <a:avLst/>
+              </a:prstGeom>
+              <a:solidFill>
+                <a:srgbClr val="FF0000"/>
+              </a:solidFill>
+            </p:spPr>
+            <p:style>
+              <a:lnRef idx="2">
+                <a:schemeClr val="accent1">
+                  <a:shade val="15000"/>
+                </a:schemeClr>
+              </a:lnRef>
+              <a:fillRef idx="1">
+                <a:schemeClr val="accent1"/>
+              </a:fillRef>
+              <a:effectRef idx="0">
+                <a:schemeClr val="accent1"/>
+              </a:effectRef>
+              <a:fontRef idx="minor">
+                <a:schemeClr val="lt1"/>
+              </a:fontRef>
+            </p:style>
+            <p:txBody>
+              <a:bodyPr rtlCol="0" anchor="ctr"/>
+              <a:lstStyle/>
+              <a:p>
+                <a:pPr algn="ctr"/>
+                <a:endParaRPr lang="es-419"/>
+              </a:p>
+            </p:txBody>
+          </p:sp>
+        </p:grpSp>
+        <p:sp>
+          <p:nvSpPr>
+            <p:cNvPr id="7" name="Rectángulo: esquinas redondeadas 6">
+              <a:extLst>
+                <a:ext uri="{FF2B5EF4-FFF2-40B4-BE49-F238E27FC236}">
+                  <a16:creationId xmlns:a16="http://schemas.microsoft.com/office/drawing/2014/main" id="{A2A361F7-DAA6-7F67-0587-B36BDB932C7D}"/>
+                </a:ext>
+              </a:extLst>
+            </p:cNvPr>
+            <p:cNvSpPr/>
+            <p:nvPr/>
+          </p:nvSpPr>
+          <p:spPr>
+            <a:xfrm>
+              <a:off x="6653049" y="3799491"/>
+              <a:ext cx="1056290" cy="346841"/>
+            </a:xfrm>
+            <a:prstGeom prst="roundRect">
+              <a:avLst/>
+            </a:prstGeom>
+            <a:noFill/>
+            <a:ln w="63500">
+              <a:solidFill>
+                <a:srgbClr val="FF0000"/>
+              </a:solidFill>
+            </a:ln>
+          </p:spPr>
+          <p:style>
+            <a:lnRef idx="2">
+              <a:schemeClr val="accent1">
+                <a:shade val="15000"/>
+              </a:schemeClr>
+            </a:lnRef>
+            <a:fillRef idx="1">
+              <a:schemeClr val="accent1"/>
+            </a:fillRef>
+            <a:effectRef idx="0">
+              <a:schemeClr val="accent1"/>
+            </a:effectRef>
+            <a:fontRef idx="minor">
+              <a:schemeClr val="lt1"/>
+            </a:fontRef>
+          </p:style>
+          <p:txBody>
+            <a:bodyPr rtlCol="0" anchor="ctr"/>
+            <a:lstStyle/>
+            <a:p>
+              <a:pPr algn="ctr"/>
+              <a:endParaRPr lang="es-419"/>
+            </a:p>
+          </p:txBody>
+        </p:sp>
+      </p:grpSp>
     </p:spTree>
     <p:extLst>
       <p:ext uri="{BB962C8B-B14F-4D97-AF65-F5344CB8AC3E}">
@@ -4067,6 +5774,115 @@
           <a:chExt cx="0" cy="0"/>
         </a:xfrm>
       </p:grpSpPr>
+      <p:grpSp>
+        <p:nvGrpSpPr>
+          <p:cNvPr id="5" name="Grupo 4">
+            <a:extLst>
+              <a:ext uri="{FF2B5EF4-FFF2-40B4-BE49-F238E27FC236}">
+                <a16:creationId xmlns:a16="http://schemas.microsoft.com/office/drawing/2014/main" id="{30097ED7-991F-7BE7-2BF5-B2FFDA7102D8}"/>
+              </a:ext>
+            </a:extLst>
+          </p:cNvPr>
+          <p:cNvGrpSpPr/>
+          <p:nvPr/>
+        </p:nvGrpSpPr>
+        <p:grpSpPr>
+          <a:xfrm>
+            <a:off x="3723944" y="1504681"/>
+            <a:ext cx="4744112" cy="3848637"/>
+            <a:chOff x="3723944" y="1504681"/>
+            <a:chExt cx="4744112" cy="3848637"/>
+          </a:xfrm>
+        </p:grpSpPr>
+        <p:pic>
+          <p:nvPicPr>
+            <p:cNvPr id="3" name="Imagen 2" descr="Interfaz de usuario gráfica, Texto, Aplicación&#10;&#10;Descripción generada automáticamente">
+              <a:extLst>
+                <a:ext uri="{FF2B5EF4-FFF2-40B4-BE49-F238E27FC236}">
+                  <a16:creationId xmlns:a16="http://schemas.microsoft.com/office/drawing/2014/main" id="{F7123FCA-EF99-0DC6-C1EB-556E734FFFBE}"/>
+                </a:ext>
+              </a:extLst>
+            </p:cNvPr>
+            <p:cNvPicPr>
+              <a:picLocks noChangeAspect="1"/>
+            </p:cNvPicPr>
+            <p:nvPr/>
+          </p:nvPicPr>
+          <p:blipFill>
+            <a:blip r:embed="rId2">
+              <a:extLst>
+                <a:ext uri="{28A0092B-C50C-407E-A947-70E740481C1C}">
+                  <a14:useLocalDpi xmlns:a14="http://schemas.microsoft.com/office/drawing/2010/main" val="0"/>
+                </a:ext>
+              </a:extLst>
+            </a:blip>
+            <a:stretch>
+              <a:fillRect/>
+            </a:stretch>
+          </p:blipFill>
+          <p:spPr>
+            <a:xfrm>
+              <a:off x="3723944" y="1504681"/>
+              <a:ext cx="4744112" cy="3848637"/>
+            </a:xfrm>
+            <a:prstGeom prst="rect">
+              <a:avLst/>
+            </a:prstGeom>
+          </p:spPr>
+        </p:pic>
+        <p:sp>
+          <p:nvSpPr>
+            <p:cNvPr id="4" name="Rectángulo: esquinas redondeadas 3">
+              <a:extLst>
+                <a:ext uri="{FF2B5EF4-FFF2-40B4-BE49-F238E27FC236}">
+                  <a16:creationId xmlns:a16="http://schemas.microsoft.com/office/drawing/2014/main" id="{6164576F-5576-AC64-924D-D26A5AB3CA48}"/>
+                </a:ext>
+              </a:extLst>
+            </p:cNvPr>
+            <p:cNvSpPr/>
+            <p:nvPr/>
+          </p:nvSpPr>
+          <p:spPr>
+            <a:xfrm>
+              <a:off x="6653049" y="4981908"/>
+              <a:ext cx="1056290" cy="346841"/>
+            </a:xfrm>
+            <a:prstGeom prst="roundRect">
+              <a:avLst/>
+            </a:prstGeom>
+            <a:noFill/>
+            <a:ln w="63500">
+              <a:solidFill>
+                <a:srgbClr val="FF0000"/>
+              </a:solidFill>
+            </a:ln>
+          </p:spPr>
+          <p:style>
+            <a:lnRef idx="2">
+              <a:schemeClr val="accent1">
+                <a:shade val="15000"/>
+              </a:schemeClr>
+            </a:lnRef>
+            <a:fillRef idx="1">
+              <a:schemeClr val="accent1"/>
+            </a:fillRef>
+            <a:effectRef idx="0">
+              <a:schemeClr val="accent1"/>
+            </a:effectRef>
+            <a:fontRef idx="minor">
+              <a:schemeClr val="lt1"/>
+            </a:fontRef>
+          </p:style>
+          <p:txBody>
+            <a:bodyPr rtlCol="0" anchor="ctr"/>
+            <a:lstStyle/>
+            <a:p>
+              <a:pPr algn="ctr"/>
+              <a:endParaRPr lang="es-419"/>
+            </a:p>
+          </p:txBody>
+        </p:sp>
+      </p:grpSp>
     </p:spTree>
     <p:extLst>
       <p:ext uri="{BB962C8B-B14F-4D97-AF65-F5344CB8AC3E}">
@@ -4097,6 +5913,104 @@
           <a:chExt cx="0" cy="0"/>
         </a:xfrm>
       </p:grpSpPr>
+      <p:grpSp>
+        <p:nvGrpSpPr>
+          <p:cNvPr id="6" name="Grupo 5">
+            <a:extLst>
+              <a:ext uri="{FF2B5EF4-FFF2-40B4-BE49-F238E27FC236}">
+                <a16:creationId xmlns:a16="http://schemas.microsoft.com/office/drawing/2014/main" id="{A36C3786-FB37-98ED-8128-FAB07DEA52CB}"/>
+              </a:ext>
+            </a:extLst>
+          </p:cNvPr>
+          <p:cNvGrpSpPr/>
+          <p:nvPr/>
+        </p:nvGrpSpPr>
+        <p:grpSpPr>
+          <a:xfrm>
+            <a:off x="3728707" y="1499918"/>
+            <a:ext cx="4734586" cy="3858163"/>
+            <a:chOff x="3728707" y="1499918"/>
+            <a:chExt cx="4734586" cy="3858163"/>
+          </a:xfrm>
+        </p:grpSpPr>
+        <p:pic>
+          <p:nvPicPr>
+            <p:cNvPr id="3" name="Imagen 2" descr="Interfaz de usuario gráfica, Aplicación&#10;&#10;Descripción generada automáticamente">
+              <a:extLst>
+                <a:ext uri="{FF2B5EF4-FFF2-40B4-BE49-F238E27FC236}">
+                  <a16:creationId xmlns:a16="http://schemas.microsoft.com/office/drawing/2014/main" id="{64161649-617C-9917-8DD5-4758472148F6}"/>
+                </a:ext>
+              </a:extLst>
+            </p:cNvPr>
+            <p:cNvPicPr>
+              <a:picLocks noChangeAspect="1"/>
+            </p:cNvPicPr>
+            <p:nvPr/>
+          </p:nvPicPr>
+          <p:blipFill>
+            <a:blip r:embed="rId2">
+              <a:extLst>
+                <a:ext uri="{28A0092B-C50C-407E-A947-70E740481C1C}">
+                  <a14:useLocalDpi xmlns:a14="http://schemas.microsoft.com/office/drawing/2010/main" val="0"/>
+                </a:ext>
+              </a:extLst>
+            </a:blip>
+            <a:stretch>
+              <a:fillRect/>
+            </a:stretch>
+          </p:blipFill>
+          <p:spPr>
+            <a:xfrm>
+              <a:off x="3728707" y="1499918"/>
+              <a:ext cx="4734586" cy="3858163"/>
+            </a:xfrm>
+            <a:prstGeom prst="rect">
+              <a:avLst/>
+            </a:prstGeom>
+          </p:spPr>
+        </p:pic>
+        <p:cxnSp>
+          <p:nvCxnSpPr>
+            <p:cNvPr id="5" name="Conector recto 4">
+              <a:extLst>
+                <a:ext uri="{FF2B5EF4-FFF2-40B4-BE49-F238E27FC236}">
+                  <a16:creationId xmlns:a16="http://schemas.microsoft.com/office/drawing/2014/main" id="{2D2B834C-79BE-F0C0-954A-EBEEB606D842}"/>
+                </a:ext>
+              </a:extLst>
+            </p:cNvPr>
+            <p:cNvCxnSpPr/>
+            <p:nvPr/>
+          </p:nvCxnSpPr>
+          <p:spPr>
+            <a:xfrm>
+              <a:off x="4804756" y="4139738"/>
+              <a:ext cx="1729048" cy="0"/>
+            </a:xfrm>
+            <a:prstGeom prst="line">
+              <a:avLst/>
+            </a:prstGeom>
+            <a:ln>
+              <a:solidFill>
+                <a:schemeClr val="bg1"/>
+              </a:solidFill>
+            </a:ln>
+          </p:spPr>
+          <p:style>
+            <a:lnRef idx="1">
+              <a:schemeClr val="accent1"/>
+            </a:lnRef>
+            <a:fillRef idx="0">
+              <a:schemeClr val="accent1"/>
+            </a:fillRef>
+            <a:effectRef idx="0">
+              <a:schemeClr val="accent1"/>
+            </a:effectRef>
+            <a:fontRef idx="minor">
+              <a:schemeClr val="tx1"/>
+            </a:fontRef>
+          </p:style>
+        </p:cxnSp>
+      </p:grpSp>
     </p:spTree>
     <p:extLst>
       <p:ext uri="{BB962C8B-B14F-4D97-AF65-F5344CB8AC3E}">
@@ -4127,6 +6041,167 @@
           <a:chExt cx="0" cy="0"/>
         </a:xfrm>
       </p:grpSpPr>
+      <p:grpSp>
+        <p:nvGrpSpPr>
+          <p:cNvPr id="11" name="Grupo 10">
+            <a:extLst>
+              <a:ext uri="{FF2B5EF4-FFF2-40B4-BE49-F238E27FC236}">
+                <a16:creationId xmlns:a16="http://schemas.microsoft.com/office/drawing/2014/main" id="{C3A60F18-0EF1-8EAA-2563-55BB115AB7DF}"/>
+              </a:ext>
+            </a:extLst>
+          </p:cNvPr>
+          <p:cNvGrpSpPr/>
+          <p:nvPr/>
+        </p:nvGrpSpPr>
+        <p:grpSpPr>
+          <a:xfrm>
+            <a:off x="3723944" y="1495155"/>
+            <a:ext cx="4744112" cy="3867690"/>
+            <a:chOff x="3723944" y="1495155"/>
+            <a:chExt cx="4744112" cy="3867690"/>
+          </a:xfrm>
+        </p:grpSpPr>
+        <p:pic>
+          <p:nvPicPr>
+            <p:cNvPr id="3" name="Imagen 2" descr="Interfaz de usuario gráfica, Aplicación&#10;&#10;Descripción generada automáticamente">
+              <a:extLst>
+                <a:ext uri="{FF2B5EF4-FFF2-40B4-BE49-F238E27FC236}">
+                  <a16:creationId xmlns:a16="http://schemas.microsoft.com/office/drawing/2014/main" id="{0E5A54B7-58A7-D165-EA25-7A37BDFE84CA}"/>
+                </a:ext>
+              </a:extLst>
+            </p:cNvPr>
+            <p:cNvPicPr>
+              <a:picLocks noChangeAspect="1"/>
+            </p:cNvPicPr>
+            <p:nvPr/>
+          </p:nvPicPr>
+          <p:blipFill>
+            <a:blip r:embed="rId2">
+              <a:extLst>
+                <a:ext uri="{28A0092B-C50C-407E-A947-70E740481C1C}">
+                  <a14:useLocalDpi xmlns:a14="http://schemas.microsoft.com/office/drawing/2010/main" val="0"/>
+                </a:ext>
+              </a:extLst>
+            </a:blip>
+            <a:stretch>
+              <a:fillRect/>
+            </a:stretch>
+          </p:blipFill>
+          <p:spPr>
+            <a:xfrm>
+              <a:off x="3723944" y="1495155"/>
+              <a:ext cx="4744112" cy="3867690"/>
+            </a:xfrm>
+            <a:prstGeom prst="rect">
+              <a:avLst/>
+            </a:prstGeom>
+          </p:spPr>
+        </p:pic>
+        <p:sp>
+          <p:nvSpPr>
+            <p:cNvPr id="7" name="Flecha: a la derecha 6">
+              <a:extLst>
+                <a:ext uri="{FF2B5EF4-FFF2-40B4-BE49-F238E27FC236}">
+                  <a16:creationId xmlns:a16="http://schemas.microsoft.com/office/drawing/2014/main" id="{0CD21665-3FAE-CD55-E6FA-A74371CEF06C}"/>
+                </a:ext>
+              </a:extLst>
+            </p:cNvPr>
+            <p:cNvSpPr/>
+            <p:nvPr/>
+          </p:nvSpPr>
+          <p:spPr>
+            <a:xfrm>
+              <a:off x="4650829" y="2991510"/>
+              <a:ext cx="740979" cy="354724"/>
+            </a:xfrm>
+            <a:prstGeom prst="rightArrow">
+              <a:avLst/>
+            </a:prstGeom>
+            <a:solidFill>
+              <a:srgbClr val="FF0000"/>
+            </a:solidFill>
+            <a:ln>
+              <a:noFill/>
+            </a:ln>
+          </p:spPr>
+          <p:style>
+            <a:lnRef idx="2">
+              <a:schemeClr val="accent1">
+                <a:shade val="15000"/>
+              </a:schemeClr>
+            </a:lnRef>
+            <a:fillRef idx="1">
+              <a:schemeClr val="accent1"/>
+            </a:fillRef>
+            <a:effectRef idx="0">
+              <a:schemeClr val="accent1"/>
+            </a:effectRef>
+            <a:fontRef idx="minor">
+              <a:schemeClr val="lt1"/>
+            </a:fontRef>
+          </p:style>
+          <p:txBody>
+            <a:bodyPr rtlCol="0" anchor="ctr"/>
+            <a:lstStyle/>
+            <a:p>
+              <a:pPr algn="ctr"/>
+              <a:endParaRPr lang="es-419"/>
+            </a:p>
+          </p:txBody>
+        </p:sp>
+        <p:sp>
+          <p:nvSpPr>
+            <p:cNvPr id="10" name="Rectángulo: esquinas redondeadas 9">
+              <a:extLst>
+                <a:ext uri="{FF2B5EF4-FFF2-40B4-BE49-F238E27FC236}">
+                  <a16:creationId xmlns:a16="http://schemas.microsoft.com/office/drawing/2014/main" id="{EEACB16E-18ED-C222-D440-88AD1B8BEAAF}"/>
+                </a:ext>
+              </a:extLst>
+            </p:cNvPr>
+            <p:cNvSpPr/>
+            <p:nvPr/>
+          </p:nvSpPr>
+          <p:spPr>
+            <a:xfrm>
+              <a:off x="6747641" y="4981903"/>
+              <a:ext cx="914400" cy="365176"/>
+            </a:xfrm>
+            <a:prstGeom prst="roundRect">
+              <a:avLst/>
+            </a:prstGeom>
+            <a:noFill/>
+            <a:ln w="69850">
+              <a:solidFill>
+                <a:srgbClr val="FF0000"/>
+              </a:solidFill>
+            </a:ln>
+          </p:spPr>
+          <p:style>
+            <a:lnRef idx="2">
+              <a:schemeClr val="accent1">
+                <a:shade val="15000"/>
+              </a:schemeClr>
+            </a:lnRef>
+            <a:fillRef idx="1">
+              <a:schemeClr val="accent1"/>
+            </a:fillRef>
+            <a:effectRef idx="0">
+              <a:schemeClr val="accent1"/>
+            </a:effectRef>
+            <a:fontRef idx="minor">
+              <a:schemeClr val="lt1"/>
+            </a:fontRef>
+          </p:style>
+          <p:txBody>
+            <a:bodyPr rtlCol="0" anchor="ctr"/>
+            <a:lstStyle/>
+            <a:p>
+              <a:pPr algn="ctr"/>
+              <a:endParaRPr lang="es-419"/>
+            </a:p>
+          </p:txBody>
+        </p:sp>
+      </p:grpSp>
     </p:spTree>
     <p:extLst>
       <p:ext uri="{BB962C8B-B14F-4D97-AF65-F5344CB8AC3E}">
@@ -4157,6 +6232,94 @@
           <a:chExt cx="0" cy="0"/>
         </a:xfrm>
       </p:grpSpPr>
+      <p:pic>
+        <p:nvPicPr>
+          <p:cNvPr id="3" name="Imagen 2" descr="Captura de pantalla de computadora&#10;&#10;Descripción generada automáticamente">
+            <a:extLst>
+              <a:ext uri="{FF2B5EF4-FFF2-40B4-BE49-F238E27FC236}">
+                <a16:creationId xmlns:a16="http://schemas.microsoft.com/office/drawing/2014/main" id="{F19E2650-5B44-E73C-BC88-6B681528E96A}"/>
+              </a:ext>
+            </a:extLst>
+          </p:cNvPr>
+          <p:cNvPicPr>
+            <a:picLocks noChangeAspect="1"/>
+          </p:cNvPicPr>
+          <p:nvPr/>
+        </p:nvPicPr>
+        <p:blipFill>
+          <a:blip r:embed="rId2">
+            <a:extLst>
+              <a:ext uri="{28A0092B-C50C-407E-A947-70E740481C1C}">
+                <a14:useLocalDpi xmlns:a14="http://schemas.microsoft.com/office/drawing/2010/main" val="0"/>
+              </a:ext>
+            </a:extLst>
+          </a:blip>
+          <a:stretch>
+            <a:fillRect/>
+          </a:stretch>
+        </p:blipFill>
+        <p:spPr>
+          <a:xfrm>
+            <a:off x="0" y="182505"/>
+            <a:ext cx="12192000" cy="6492990"/>
+          </a:xfrm>
+          <a:prstGeom prst="rect">
+            <a:avLst/>
+          </a:prstGeom>
+        </p:spPr>
+      </p:pic>
+      <p:sp>
+        <p:nvSpPr>
+          <p:cNvPr id="4" name="Flecha: a la derecha 3">
+            <a:extLst>
+              <a:ext uri="{FF2B5EF4-FFF2-40B4-BE49-F238E27FC236}">
+                <a16:creationId xmlns:a16="http://schemas.microsoft.com/office/drawing/2014/main" id="{B14757E6-7372-7B01-1830-2B01264DA3B2}"/>
+              </a:ext>
+            </a:extLst>
+          </p:cNvPr>
+          <p:cNvSpPr/>
+          <p:nvPr/>
+        </p:nvSpPr>
+        <p:spPr>
+          <a:xfrm>
+            <a:off x="161925" y="1095375"/>
+            <a:ext cx="1181100" cy="304800"/>
+          </a:xfrm>
+          <a:prstGeom prst="rightArrow">
+            <a:avLst/>
+          </a:prstGeom>
+          <a:solidFill>
+            <a:srgbClr val="FF0000"/>
+          </a:solidFill>
+          <a:ln>
+            <a:noFill/>
+          </a:ln>
+        </p:spPr>
+        <p:style>
+          <a:lnRef idx="2">
+            <a:schemeClr val="accent1">
+              <a:shade val="15000"/>
+            </a:schemeClr>
+          </a:lnRef>
+          <a:fillRef idx="1">
+            <a:schemeClr val="accent1"/>
+          </a:fillRef>
+          <a:effectRef idx="0">
+            <a:schemeClr val="accent1"/>
+          </a:effectRef>
+          <a:fontRef idx="minor">
+            <a:schemeClr val="lt1"/>
+          </a:fontRef>
+        </p:style>
+        <p:txBody>
+          <a:bodyPr rtlCol="0" anchor="ctr"/>
+          <a:lstStyle/>
+          <a:p>
+            <a:pPr algn="ctr"/>
+            <a:endParaRPr lang="es-419"/>
+          </a:p>
+        </p:txBody>
+      </p:sp>
     </p:spTree>
     <p:extLst>
       <p:ext uri="{BB962C8B-B14F-4D97-AF65-F5344CB8AC3E}">
@@ -4187,10 +6350,236 @@
           <a:chExt cx="0" cy="0"/>
         </a:xfrm>
       </p:grpSpPr>
+      <p:pic>
+        <p:nvPicPr>
+          <p:cNvPr id="9" name="Imagen 8">
+            <a:extLst>
+              <a:ext uri="{FF2B5EF4-FFF2-40B4-BE49-F238E27FC236}">
+                <a16:creationId xmlns:a16="http://schemas.microsoft.com/office/drawing/2014/main" id="{DE651DDD-8263-72A0-449E-EF9945C76F99}"/>
+              </a:ext>
+            </a:extLst>
+          </p:cNvPr>
+          <p:cNvPicPr>
+            <a:picLocks noChangeAspect="1"/>
+          </p:cNvPicPr>
+          <p:nvPr/>
+        </p:nvPicPr>
+        <p:blipFill rotWithShape="1">
+          <a:blip r:embed="rId2"/>
+          <a:srcRect r="48226"/>
+          <a:stretch/>
+        </p:blipFill>
+        <p:spPr>
+          <a:xfrm>
+            <a:off x="-216310" y="206956"/>
+            <a:ext cx="6312310" cy="6444088"/>
+          </a:xfrm>
+          <a:prstGeom prst="rect">
+            <a:avLst/>
+          </a:prstGeom>
+        </p:spPr>
+      </p:pic>
+      <p:sp>
+        <p:nvSpPr>
+          <p:cNvPr id="10" name="Flecha: a la derecha 9">
+            <a:extLst>
+              <a:ext uri="{FF2B5EF4-FFF2-40B4-BE49-F238E27FC236}">
+                <a16:creationId xmlns:a16="http://schemas.microsoft.com/office/drawing/2014/main" id="{1B11E44C-844D-78B2-6B48-660FB3AD914B}"/>
+              </a:ext>
+            </a:extLst>
+          </p:cNvPr>
+          <p:cNvSpPr/>
+          <p:nvPr/>
+        </p:nvSpPr>
+        <p:spPr>
+          <a:xfrm>
+            <a:off x="914399" y="1950420"/>
+            <a:ext cx="1045029" cy="391886"/>
+          </a:xfrm>
+          <a:prstGeom prst="rightArrow">
+            <a:avLst/>
+          </a:prstGeom>
+          <a:solidFill>
+            <a:srgbClr val="FF0000"/>
+          </a:solidFill>
+          <a:ln>
+            <a:solidFill>
+              <a:schemeClr val="accent1">
+                <a:shade val="15000"/>
+              </a:schemeClr>
+            </a:solidFill>
+          </a:ln>
+        </p:spPr>
+        <p:style>
+          <a:lnRef idx="2">
+            <a:schemeClr val="accent1">
+              <a:shade val="15000"/>
+            </a:schemeClr>
+          </a:lnRef>
+          <a:fillRef idx="1">
+            <a:schemeClr val="accent1"/>
+          </a:fillRef>
+          <a:effectRef idx="0">
+            <a:schemeClr val="accent1"/>
+          </a:effectRef>
+          <a:fontRef idx="minor">
+            <a:schemeClr val="lt1"/>
+          </a:fontRef>
+        </p:style>
+        <p:txBody>
+          <a:bodyPr rtlCol="0" anchor="ctr"/>
+          <a:lstStyle/>
+          <a:p>
+            <a:pPr algn="ctr"/>
+            <a:endParaRPr lang="es-419"/>
+          </a:p>
+        </p:txBody>
+      </p:sp>
+      <p:sp>
+        <p:nvSpPr>
+          <p:cNvPr id="11" name="Flecha: a la derecha 10">
+            <a:extLst>
+              <a:ext uri="{FF2B5EF4-FFF2-40B4-BE49-F238E27FC236}">
+                <a16:creationId xmlns:a16="http://schemas.microsoft.com/office/drawing/2014/main" id="{C072C0B1-180A-9657-B0B4-60C7BB411B24}"/>
+              </a:ext>
+            </a:extLst>
+          </p:cNvPr>
+          <p:cNvSpPr/>
+          <p:nvPr/>
+        </p:nvSpPr>
+        <p:spPr>
+          <a:xfrm>
+            <a:off x="1959428" y="4971142"/>
+            <a:ext cx="1045029" cy="391886"/>
+          </a:xfrm>
+          <a:prstGeom prst="rightArrow">
+            <a:avLst/>
+          </a:prstGeom>
+          <a:solidFill>
+            <a:srgbClr val="FF0000"/>
+          </a:solidFill>
+          <a:ln>
+            <a:solidFill>
+              <a:schemeClr val="accent1">
+                <a:shade val="15000"/>
+              </a:schemeClr>
+            </a:solidFill>
+          </a:ln>
+        </p:spPr>
+        <p:style>
+          <a:lnRef idx="2">
+            <a:schemeClr val="accent1">
+              <a:shade val="15000"/>
+            </a:schemeClr>
+          </a:lnRef>
+          <a:fillRef idx="1">
+            <a:schemeClr val="accent1"/>
+          </a:fillRef>
+          <a:effectRef idx="0">
+            <a:schemeClr val="accent1"/>
+          </a:effectRef>
+          <a:fontRef idx="minor">
+            <a:schemeClr val="lt1"/>
+          </a:fontRef>
+        </p:style>
+        <p:txBody>
+          <a:bodyPr rtlCol="0" anchor="ctr"/>
+          <a:lstStyle/>
+          <a:p>
+            <a:pPr algn="ctr"/>
+            <a:endParaRPr lang="es-419"/>
+          </a:p>
+        </p:txBody>
+      </p:sp>
+      <p:pic>
+        <p:nvPicPr>
+          <p:cNvPr id="13" name="Imagen 12">
+            <a:extLst>
+              <a:ext uri="{FF2B5EF4-FFF2-40B4-BE49-F238E27FC236}">
+                <a16:creationId xmlns:a16="http://schemas.microsoft.com/office/drawing/2014/main" id="{DBAA2736-C21C-EE9B-D51F-ECB4562BFC65}"/>
+              </a:ext>
+            </a:extLst>
+          </p:cNvPr>
+          <p:cNvPicPr>
+            <a:picLocks noChangeAspect="1"/>
+          </p:cNvPicPr>
+          <p:nvPr/>
+        </p:nvPicPr>
+        <p:blipFill rotWithShape="1">
+          <a:blip r:embed="rId3"/>
+          <a:srcRect r="48226"/>
+          <a:stretch/>
+        </p:blipFill>
+        <p:spPr>
+          <a:xfrm>
+            <a:off x="6337593" y="206956"/>
+            <a:ext cx="6312310" cy="6435163"/>
+          </a:xfrm>
+          <a:prstGeom prst="rect">
+            <a:avLst/>
+          </a:prstGeom>
+        </p:spPr>
+      </p:pic>
+      <p:sp>
+        <p:nvSpPr>
+          <p:cNvPr id="14" name="Flecha: a la derecha 13">
+            <a:extLst>
+              <a:ext uri="{FF2B5EF4-FFF2-40B4-BE49-F238E27FC236}">
+                <a16:creationId xmlns:a16="http://schemas.microsoft.com/office/drawing/2014/main" id="{2C75770D-A5FE-C3EA-AFB7-4AF2667E563C}"/>
+              </a:ext>
+            </a:extLst>
+          </p:cNvPr>
+          <p:cNvSpPr/>
+          <p:nvPr/>
+        </p:nvSpPr>
+        <p:spPr>
+          <a:xfrm>
+            <a:off x="8677728" y="1690977"/>
+            <a:ext cx="1045029" cy="391886"/>
+          </a:xfrm>
+          <a:prstGeom prst="rightArrow">
+            <a:avLst/>
+          </a:prstGeom>
+          <a:solidFill>
+            <a:srgbClr val="FF0000"/>
+          </a:solidFill>
+          <a:ln>
+            <a:solidFill>
+              <a:schemeClr val="accent1">
+                <a:shade val="15000"/>
+              </a:schemeClr>
+            </a:solidFill>
+          </a:ln>
+        </p:spPr>
+        <p:style>
+          <a:lnRef idx="2">
+            <a:schemeClr val="accent1">
+              <a:shade val="15000"/>
+            </a:schemeClr>
+          </a:lnRef>
+          <a:fillRef idx="1">
+            <a:schemeClr val="accent1"/>
+          </a:fillRef>
+          <a:effectRef idx="0">
+            <a:schemeClr val="accent1"/>
+          </a:effectRef>
+          <a:fontRef idx="minor">
+            <a:schemeClr val="lt1"/>
+          </a:fontRef>
+        </p:style>
+        <p:txBody>
+          <a:bodyPr rtlCol="0" anchor="ctr"/>
+          <a:lstStyle/>
+          <a:p>
+            <a:pPr algn="ctr"/>
+            <a:endParaRPr lang="es-419"/>
+          </a:p>
+        </p:txBody>
+      </p:sp>
     </p:spTree>
     <p:extLst>
       <p:ext uri="{BB962C8B-B14F-4D97-AF65-F5344CB8AC3E}">
-        <p14:creationId xmlns:p14="http://schemas.microsoft.com/office/powerpoint/2010/main" val="2854906509"/>
+        <p14:creationId xmlns:p14="http://schemas.microsoft.com/office/powerpoint/2010/main" val="1601922570"/>
       </p:ext>
     </p:extLst>
   </p:cSld>
